--- a/Наработки/Южная Африка.pptx
+++ b/Наработки/Южная Африка.pptx
@@ -154,7 +154,7 @@
           </a:lstStyle>
           <a:p>
             <a:r>
-              <a:rPr lang="ru-RU" smtClean="0"/>
+              <a:rPr lang="ru-RU"/>
               <a:t>Образец заголовка</a:t>
             </a:r>
             <a:endParaRPr lang="en-US" dirty="0"/>
@@ -219,7 +219,7 @@
           </a:lstStyle>
           <a:p>
             <a:r>
-              <a:rPr lang="ru-RU" smtClean="0"/>
+              <a:rPr lang="ru-RU"/>
               <a:t>Образец подзаголовка</a:t>
             </a:r>
             <a:endParaRPr lang="en-US" dirty="0"/>
@@ -243,7 +243,7 @@
           <a:p>
             <a:fld id="{85A5DE44-605B-4D3B-B2B7-94543DF81A36}" type="datetimeFigureOut">
               <a:rPr lang="ru-RU" smtClean="0"/>
-              <a:t>13.03.2020</a:t>
+              <a:t>06.02.2023</a:t>
             </a:fld>
             <a:endParaRPr lang="ru-RU"/>
           </a:p>
@@ -337,7 +337,7 @@
           <a:lstStyle/>
           <a:p>
             <a:r>
-              <a:rPr lang="ru-RU" smtClean="0"/>
+              <a:rPr lang="ru-RU"/>
               <a:t>Образец заголовка</a:t>
             </a:r>
             <a:endParaRPr lang="en-US" dirty="0"/>
@@ -361,35 +361,35 @@
           <a:p>
             <a:pPr lvl="0"/>
             <a:r>
-              <a:rPr lang="ru-RU" smtClean="0"/>
+              <a:rPr lang="ru-RU"/>
               <a:t>Образец текста</a:t>
             </a:r>
           </a:p>
           <a:p>
             <a:pPr lvl="1"/>
             <a:r>
-              <a:rPr lang="ru-RU" smtClean="0"/>
+              <a:rPr lang="ru-RU"/>
               <a:t>Второй уровень</a:t>
             </a:r>
           </a:p>
           <a:p>
             <a:pPr lvl="2"/>
             <a:r>
-              <a:rPr lang="ru-RU" smtClean="0"/>
+              <a:rPr lang="ru-RU"/>
               <a:t>Третий уровень</a:t>
             </a:r>
           </a:p>
           <a:p>
             <a:pPr lvl="3"/>
             <a:r>
-              <a:rPr lang="ru-RU" smtClean="0"/>
+              <a:rPr lang="ru-RU"/>
               <a:t>Четвертый уровень</a:t>
             </a:r>
           </a:p>
           <a:p>
             <a:pPr lvl="4"/>
             <a:r>
-              <a:rPr lang="ru-RU" smtClean="0"/>
+              <a:rPr lang="ru-RU"/>
               <a:t>Пятый уровень</a:t>
             </a:r>
             <a:endParaRPr lang="en-US" dirty="0"/>
@@ -413,7 +413,7 @@
           <a:p>
             <a:fld id="{85A5DE44-605B-4D3B-B2B7-94543DF81A36}" type="datetimeFigureOut">
               <a:rPr lang="ru-RU" smtClean="0"/>
-              <a:t>13.03.2020</a:t>
+              <a:t>06.02.2023</a:t>
             </a:fld>
             <a:endParaRPr lang="ru-RU"/>
           </a:p>
@@ -512,7 +512,7 @@
           <a:lstStyle/>
           <a:p>
             <a:r>
-              <a:rPr lang="ru-RU" smtClean="0"/>
+              <a:rPr lang="ru-RU"/>
               <a:t>Образец заголовка</a:t>
             </a:r>
             <a:endParaRPr lang="en-US" dirty="0"/>
@@ -541,35 +541,35 @@
           <a:p>
             <a:pPr lvl="0"/>
             <a:r>
-              <a:rPr lang="ru-RU" smtClean="0"/>
+              <a:rPr lang="ru-RU"/>
               <a:t>Образец текста</a:t>
             </a:r>
           </a:p>
           <a:p>
             <a:pPr lvl="1"/>
             <a:r>
-              <a:rPr lang="ru-RU" smtClean="0"/>
+              <a:rPr lang="ru-RU"/>
               <a:t>Второй уровень</a:t>
             </a:r>
           </a:p>
           <a:p>
             <a:pPr lvl="2"/>
             <a:r>
-              <a:rPr lang="ru-RU" smtClean="0"/>
+              <a:rPr lang="ru-RU"/>
               <a:t>Третий уровень</a:t>
             </a:r>
           </a:p>
           <a:p>
             <a:pPr lvl="3"/>
             <a:r>
-              <a:rPr lang="ru-RU" smtClean="0"/>
+              <a:rPr lang="ru-RU"/>
               <a:t>Четвертый уровень</a:t>
             </a:r>
           </a:p>
           <a:p>
             <a:pPr lvl="4"/>
             <a:r>
-              <a:rPr lang="ru-RU" smtClean="0"/>
+              <a:rPr lang="ru-RU"/>
               <a:t>Пятый уровень</a:t>
             </a:r>
             <a:endParaRPr lang="en-US" dirty="0"/>
@@ -593,7 +593,7 @@
           <a:p>
             <a:fld id="{85A5DE44-605B-4D3B-B2B7-94543DF81A36}" type="datetimeFigureOut">
               <a:rPr lang="ru-RU" smtClean="0"/>
-              <a:t>13.03.2020</a:t>
+              <a:t>06.02.2023</a:t>
             </a:fld>
             <a:endParaRPr lang="ru-RU"/>
           </a:p>
@@ -687,7 +687,7 @@
           <a:lstStyle/>
           <a:p>
             <a:r>
-              <a:rPr lang="ru-RU" smtClean="0"/>
+              <a:rPr lang="ru-RU"/>
               <a:t>Образец заголовка</a:t>
             </a:r>
             <a:endParaRPr lang="en-US" dirty="0"/>
@@ -711,35 +711,35 @@
           <a:p>
             <a:pPr lvl="0"/>
             <a:r>
-              <a:rPr lang="ru-RU" smtClean="0"/>
+              <a:rPr lang="ru-RU"/>
               <a:t>Образец текста</a:t>
             </a:r>
           </a:p>
           <a:p>
             <a:pPr lvl="1"/>
             <a:r>
-              <a:rPr lang="ru-RU" smtClean="0"/>
+              <a:rPr lang="ru-RU"/>
               <a:t>Второй уровень</a:t>
             </a:r>
           </a:p>
           <a:p>
             <a:pPr lvl="2"/>
             <a:r>
-              <a:rPr lang="ru-RU" smtClean="0"/>
+              <a:rPr lang="ru-RU"/>
               <a:t>Третий уровень</a:t>
             </a:r>
           </a:p>
           <a:p>
             <a:pPr lvl="3"/>
             <a:r>
-              <a:rPr lang="ru-RU" smtClean="0"/>
+              <a:rPr lang="ru-RU"/>
               <a:t>Четвертый уровень</a:t>
             </a:r>
           </a:p>
           <a:p>
             <a:pPr lvl="4"/>
             <a:r>
-              <a:rPr lang="ru-RU" smtClean="0"/>
+              <a:rPr lang="ru-RU"/>
               <a:t>Пятый уровень</a:t>
             </a:r>
             <a:endParaRPr lang="en-US" dirty="0"/>
@@ -763,7 +763,7 @@
           <a:p>
             <a:fld id="{85A5DE44-605B-4D3B-B2B7-94543DF81A36}" type="datetimeFigureOut">
               <a:rPr lang="ru-RU" smtClean="0"/>
-              <a:t>13.03.2020</a:t>
+              <a:t>06.02.2023</a:t>
             </a:fld>
             <a:endParaRPr lang="ru-RU"/>
           </a:p>
@@ -866,7 +866,7 @@
           </a:lstStyle>
           <a:p>
             <a:r>
-              <a:rPr lang="ru-RU" smtClean="0"/>
+              <a:rPr lang="ru-RU"/>
               <a:t>Образец заголовка</a:t>
             </a:r>
             <a:endParaRPr lang="en-US" dirty="0"/>
@@ -986,7 +986,7 @@
           <a:p>
             <a:pPr lvl="0"/>
             <a:r>
-              <a:rPr lang="ru-RU" smtClean="0"/>
+              <a:rPr lang="ru-RU"/>
               <a:t>Образец текста</a:t>
             </a:r>
           </a:p>
@@ -1009,7 +1009,7 @@
           <a:p>
             <a:fld id="{85A5DE44-605B-4D3B-B2B7-94543DF81A36}" type="datetimeFigureOut">
               <a:rPr lang="ru-RU" smtClean="0"/>
-              <a:t>13.03.2020</a:t>
+              <a:t>06.02.2023</a:t>
             </a:fld>
             <a:endParaRPr lang="ru-RU"/>
           </a:p>
@@ -1103,7 +1103,7 @@
           <a:lstStyle/>
           <a:p>
             <a:r>
-              <a:rPr lang="ru-RU" smtClean="0"/>
+              <a:rPr lang="ru-RU"/>
               <a:t>Образец заголовка</a:t>
             </a:r>
             <a:endParaRPr lang="en-US" dirty="0"/>
@@ -1132,35 +1132,35 @@
           <a:p>
             <a:pPr lvl="0"/>
             <a:r>
-              <a:rPr lang="ru-RU" smtClean="0"/>
+              <a:rPr lang="ru-RU"/>
               <a:t>Образец текста</a:t>
             </a:r>
           </a:p>
           <a:p>
             <a:pPr lvl="1"/>
             <a:r>
-              <a:rPr lang="ru-RU" smtClean="0"/>
+              <a:rPr lang="ru-RU"/>
               <a:t>Второй уровень</a:t>
             </a:r>
           </a:p>
           <a:p>
             <a:pPr lvl="2"/>
             <a:r>
-              <a:rPr lang="ru-RU" smtClean="0"/>
+              <a:rPr lang="ru-RU"/>
               <a:t>Третий уровень</a:t>
             </a:r>
           </a:p>
           <a:p>
             <a:pPr lvl="3"/>
             <a:r>
-              <a:rPr lang="ru-RU" smtClean="0"/>
+              <a:rPr lang="ru-RU"/>
               <a:t>Четвертый уровень</a:t>
             </a:r>
           </a:p>
           <a:p>
             <a:pPr lvl="4"/>
             <a:r>
-              <a:rPr lang="ru-RU" smtClean="0"/>
+              <a:rPr lang="ru-RU"/>
               <a:t>Пятый уровень</a:t>
             </a:r>
             <a:endParaRPr lang="en-US" dirty="0"/>
@@ -1189,35 +1189,35 @@
           <a:p>
             <a:pPr lvl="0"/>
             <a:r>
-              <a:rPr lang="ru-RU" smtClean="0"/>
+              <a:rPr lang="ru-RU"/>
               <a:t>Образец текста</a:t>
             </a:r>
           </a:p>
           <a:p>
             <a:pPr lvl="1"/>
             <a:r>
-              <a:rPr lang="ru-RU" smtClean="0"/>
+              <a:rPr lang="ru-RU"/>
               <a:t>Второй уровень</a:t>
             </a:r>
           </a:p>
           <a:p>
             <a:pPr lvl="2"/>
             <a:r>
-              <a:rPr lang="ru-RU" smtClean="0"/>
+              <a:rPr lang="ru-RU"/>
               <a:t>Третий уровень</a:t>
             </a:r>
           </a:p>
           <a:p>
             <a:pPr lvl="3"/>
             <a:r>
-              <a:rPr lang="ru-RU" smtClean="0"/>
+              <a:rPr lang="ru-RU"/>
               <a:t>Четвертый уровень</a:t>
             </a:r>
           </a:p>
           <a:p>
             <a:pPr lvl="4"/>
             <a:r>
-              <a:rPr lang="ru-RU" smtClean="0"/>
+              <a:rPr lang="ru-RU"/>
               <a:t>Пятый уровень</a:t>
             </a:r>
             <a:endParaRPr lang="en-US" dirty="0"/>
@@ -1241,7 +1241,7 @@
           <a:p>
             <a:fld id="{85A5DE44-605B-4D3B-B2B7-94543DF81A36}" type="datetimeFigureOut">
               <a:rPr lang="ru-RU" smtClean="0"/>
-              <a:t>13.03.2020</a:t>
+              <a:t>06.02.2023</a:t>
             </a:fld>
             <a:endParaRPr lang="ru-RU"/>
           </a:p>
@@ -1340,7 +1340,7 @@
           <a:lstStyle/>
           <a:p>
             <a:r>
-              <a:rPr lang="ru-RU" smtClean="0"/>
+              <a:rPr lang="ru-RU"/>
               <a:t>Образец заголовка</a:t>
             </a:r>
             <a:endParaRPr lang="en-US" dirty="0"/>
@@ -1406,7 +1406,7 @@
           <a:p>
             <a:pPr lvl="0"/>
             <a:r>
-              <a:rPr lang="ru-RU" smtClean="0"/>
+              <a:rPr lang="ru-RU"/>
               <a:t>Образец текста</a:t>
             </a:r>
           </a:p>
@@ -1434,35 +1434,35 @@
           <a:p>
             <a:pPr lvl="0"/>
             <a:r>
-              <a:rPr lang="ru-RU" smtClean="0"/>
+              <a:rPr lang="ru-RU"/>
               <a:t>Образец текста</a:t>
             </a:r>
           </a:p>
           <a:p>
             <a:pPr lvl="1"/>
             <a:r>
-              <a:rPr lang="ru-RU" smtClean="0"/>
+              <a:rPr lang="ru-RU"/>
               <a:t>Второй уровень</a:t>
             </a:r>
           </a:p>
           <a:p>
             <a:pPr lvl="2"/>
             <a:r>
-              <a:rPr lang="ru-RU" smtClean="0"/>
+              <a:rPr lang="ru-RU"/>
               <a:t>Третий уровень</a:t>
             </a:r>
           </a:p>
           <a:p>
             <a:pPr lvl="3"/>
             <a:r>
-              <a:rPr lang="ru-RU" smtClean="0"/>
+              <a:rPr lang="ru-RU"/>
               <a:t>Четвертый уровень</a:t>
             </a:r>
           </a:p>
           <a:p>
             <a:pPr lvl="4"/>
             <a:r>
-              <a:rPr lang="ru-RU" smtClean="0"/>
+              <a:rPr lang="ru-RU"/>
               <a:t>Пятый уровень</a:t>
             </a:r>
             <a:endParaRPr lang="en-US" dirty="0"/>
@@ -1528,7 +1528,7 @@
           <a:p>
             <a:pPr lvl="0"/>
             <a:r>
-              <a:rPr lang="ru-RU" smtClean="0"/>
+              <a:rPr lang="ru-RU"/>
               <a:t>Образец текста</a:t>
             </a:r>
           </a:p>
@@ -1556,35 +1556,35 @@
           <a:p>
             <a:pPr lvl="0"/>
             <a:r>
-              <a:rPr lang="ru-RU" smtClean="0"/>
+              <a:rPr lang="ru-RU"/>
               <a:t>Образец текста</a:t>
             </a:r>
           </a:p>
           <a:p>
             <a:pPr lvl="1"/>
             <a:r>
-              <a:rPr lang="ru-RU" smtClean="0"/>
+              <a:rPr lang="ru-RU"/>
               <a:t>Второй уровень</a:t>
             </a:r>
           </a:p>
           <a:p>
             <a:pPr lvl="2"/>
             <a:r>
-              <a:rPr lang="ru-RU" smtClean="0"/>
+              <a:rPr lang="ru-RU"/>
               <a:t>Третий уровень</a:t>
             </a:r>
           </a:p>
           <a:p>
             <a:pPr lvl="3"/>
             <a:r>
-              <a:rPr lang="ru-RU" smtClean="0"/>
+              <a:rPr lang="ru-RU"/>
               <a:t>Четвертый уровень</a:t>
             </a:r>
           </a:p>
           <a:p>
             <a:pPr lvl="4"/>
             <a:r>
-              <a:rPr lang="ru-RU" smtClean="0"/>
+              <a:rPr lang="ru-RU"/>
               <a:t>Пятый уровень</a:t>
             </a:r>
             <a:endParaRPr lang="en-US" dirty="0"/>
@@ -1608,7 +1608,7 @@
           <a:p>
             <a:fld id="{85A5DE44-605B-4D3B-B2B7-94543DF81A36}" type="datetimeFigureOut">
               <a:rPr lang="ru-RU" smtClean="0"/>
-              <a:t>13.03.2020</a:t>
+              <a:t>06.02.2023</a:t>
             </a:fld>
             <a:endParaRPr lang="ru-RU"/>
           </a:p>
@@ -1702,7 +1702,7 @@
           <a:lstStyle/>
           <a:p>
             <a:r>
-              <a:rPr lang="ru-RU" smtClean="0"/>
+              <a:rPr lang="ru-RU"/>
               <a:t>Образец заголовка</a:t>
             </a:r>
             <a:endParaRPr lang="en-US" dirty="0"/>
@@ -1726,7 +1726,7 @@
           <a:p>
             <a:fld id="{85A5DE44-605B-4D3B-B2B7-94543DF81A36}" type="datetimeFigureOut">
               <a:rPr lang="ru-RU" smtClean="0"/>
-              <a:t>13.03.2020</a:t>
+              <a:t>06.02.2023</a:t>
             </a:fld>
             <a:endParaRPr lang="ru-RU"/>
           </a:p>
@@ -1821,7 +1821,7 @@
           <a:p>
             <a:fld id="{85A5DE44-605B-4D3B-B2B7-94543DF81A36}" type="datetimeFigureOut">
               <a:rPr lang="ru-RU" smtClean="0"/>
-              <a:t>13.03.2020</a:t>
+              <a:t>06.02.2023</a:t>
             </a:fld>
             <a:endParaRPr lang="ru-RU"/>
           </a:p>
@@ -1924,7 +1924,7 @@
           </a:lstStyle>
           <a:p>
             <a:r>
-              <a:rPr lang="ru-RU" smtClean="0"/>
+              <a:rPr lang="ru-RU"/>
               <a:t>Образец заголовка</a:t>
             </a:r>
             <a:endParaRPr lang="en-US" dirty="0"/>
@@ -1981,35 +1981,35 @@
           <a:p>
             <a:pPr lvl="0"/>
             <a:r>
-              <a:rPr lang="ru-RU" smtClean="0"/>
+              <a:rPr lang="ru-RU"/>
               <a:t>Образец текста</a:t>
             </a:r>
           </a:p>
           <a:p>
             <a:pPr lvl="1"/>
             <a:r>
-              <a:rPr lang="ru-RU" smtClean="0"/>
+              <a:rPr lang="ru-RU"/>
               <a:t>Второй уровень</a:t>
             </a:r>
           </a:p>
           <a:p>
             <a:pPr lvl="2"/>
             <a:r>
-              <a:rPr lang="ru-RU" smtClean="0"/>
+              <a:rPr lang="ru-RU"/>
               <a:t>Третий уровень</a:t>
             </a:r>
           </a:p>
           <a:p>
             <a:pPr lvl="3"/>
             <a:r>
-              <a:rPr lang="ru-RU" smtClean="0"/>
+              <a:rPr lang="ru-RU"/>
               <a:t>Четвертый уровень</a:t>
             </a:r>
           </a:p>
           <a:p>
             <a:pPr lvl="4"/>
             <a:r>
-              <a:rPr lang="ru-RU" smtClean="0"/>
+              <a:rPr lang="ru-RU"/>
               <a:t>Пятый уровень</a:t>
             </a:r>
             <a:endParaRPr lang="en-US" dirty="0"/>
@@ -2075,7 +2075,7 @@
           <a:p>
             <a:pPr lvl="0"/>
             <a:r>
-              <a:rPr lang="ru-RU" smtClean="0"/>
+              <a:rPr lang="ru-RU"/>
               <a:t>Образец текста</a:t>
             </a:r>
           </a:p>
@@ -2098,7 +2098,7 @@
           <a:p>
             <a:fld id="{85A5DE44-605B-4D3B-B2B7-94543DF81A36}" type="datetimeFigureOut">
               <a:rPr lang="ru-RU" smtClean="0"/>
-              <a:t>13.03.2020</a:t>
+              <a:t>06.02.2023</a:t>
             </a:fld>
             <a:endParaRPr lang="ru-RU"/>
           </a:p>
@@ -2201,7 +2201,7 @@
           </a:lstStyle>
           <a:p>
             <a:r>
-              <a:rPr lang="ru-RU" smtClean="0"/>
+              <a:rPr lang="ru-RU"/>
               <a:t>Образец заголовка</a:t>
             </a:r>
             <a:endParaRPr lang="en-US" dirty="0"/>
@@ -2266,7 +2266,7 @@
           </a:lstStyle>
           <a:p>
             <a:r>
-              <a:rPr lang="ru-RU" smtClean="0"/>
+              <a:rPr lang="ru-RU"/>
               <a:t>Вставка рисунка</a:t>
             </a:r>
             <a:endParaRPr lang="en-US" dirty="0"/>
@@ -2332,7 +2332,7 @@
           <a:p>
             <a:pPr lvl="0"/>
             <a:r>
-              <a:rPr lang="ru-RU" smtClean="0"/>
+              <a:rPr lang="ru-RU"/>
               <a:t>Образец текста</a:t>
             </a:r>
           </a:p>
@@ -2355,7 +2355,7 @@
           <a:p>
             <a:fld id="{85A5DE44-605B-4D3B-B2B7-94543DF81A36}" type="datetimeFigureOut">
               <a:rPr lang="ru-RU" smtClean="0"/>
-              <a:t>13.03.2020</a:t>
+              <a:t>06.02.2023</a:t>
             </a:fld>
             <a:endParaRPr lang="ru-RU"/>
           </a:p>
@@ -2464,7 +2464,7 @@
           <a:lstStyle/>
           <a:p>
             <a:r>
-              <a:rPr lang="ru-RU" smtClean="0"/>
+              <a:rPr lang="ru-RU"/>
               <a:t>Образец заголовка</a:t>
             </a:r>
             <a:endParaRPr lang="en-US" dirty="0"/>
@@ -2498,35 +2498,35 @@
           <a:p>
             <a:pPr lvl="0"/>
             <a:r>
-              <a:rPr lang="ru-RU" smtClean="0"/>
+              <a:rPr lang="ru-RU"/>
               <a:t>Образец текста</a:t>
             </a:r>
           </a:p>
           <a:p>
             <a:pPr lvl="1"/>
             <a:r>
-              <a:rPr lang="ru-RU" smtClean="0"/>
+              <a:rPr lang="ru-RU"/>
               <a:t>Второй уровень</a:t>
             </a:r>
           </a:p>
           <a:p>
             <a:pPr lvl="2"/>
             <a:r>
-              <a:rPr lang="ru-RU" smtClean="0"/>
+              <a:rPr lang="ru-RU"/>
               <a:t>Третий уровень</a:t>
             </a:r>
           </a:p>
           <a:p>
             <a:pPr lvl="3"/>
             <a:r>
-              <a:rPr lang="ru-RU" smtClean="0"/>
+              <a:rPr lang="ru-RU"/>
               <a:t>Четвертый уровень</a:t>
             </a:r>
           </a:p>
           <a:p>
             <a:pPr lvl="4"/>
             <a:r>
-              <a:rPr lang="ru-RU" smtClean="0"/>
+              <a:rPr lang="ru-RU"/>
               <a:t>Пятый уровень</a:t>
             </a:r>
             <a:endParaRPr lang="en-US" dirty="0"/>
@@ -2568,7 +2568,7 @@
           <a:p>
             <a:fld id="{85A5DE44-605B-4D3B-B2B7-94543DF81A36}" type="datetimeFigureOut">
               <a:rPr lang="ru-RU" smtClean="0"/>
-              <a:t>13.03.2020</a:t>
+              <a:t>06.02.2023</a:t>
             </a:fld>
             <a:endParaRPr lang="ru-RU"/>
           </a:p>
@@ -3015,31 +3015,27 @@
           <a:p>
             <a:pPr algn="ctr"/>
             <a:r>
-              <a:rPr lang="ru-RU" sz="1200" dirty="0" smtClean="0"/>
+              <a:rPr lang="ru-RU" sz="1200" dirty="0"/>
               <a:t>Начать использование троллейбусов в Кейптауне</a:t>
             </a:r>
             <a:r>
-              <a:rPr lang="en-US" sz="1200" dirty="0" smtClean="0"/>
+              <a:rPr lang="en-US" sz="1200" dirty="0"/>
               <a:t> (</a:t>
             </a:r>
             <a:r>
-              <a:rPr lang="ru-RU" sz="1200" dirty="0" smtClean="0"/>
+              <a:rPr lang="ru-RU" sz="1200" dirty="0"/>
               <a:t>+2 инфраструктуры и </a:t>
             </a:r>
             <a:r>
-              <a:rPr lang="en-US" sz="1200" dirty="0" smtClean="0"/>
+              <a:rPr lang="en-US" sz="1200" dirty="0"/>
               <a:t>+</a:t>
             </a:r>
             <a:r>
               <a:rPr lang="ru-RU" sz="1200" dirty="0"/>
-              <a:t>2</a:t>
-            </a:r>
-            <a:r>
-              <a:rPr lang="ru-RU" sz="1200" dirty="0" smtClean="0"/>
-              <a:t> ячейка для строительства в 1108</a:t>
-            </a:r>
-            <a:r>
-              <a:rPr lang="en-US" sz="1200" dirty="0" smtClean="0"/>
+              <a:t>2 ячейка для строительства в 1108</a:t>
+            </a:r>
+            <a:r>
+              <a:rPr lang="en-US" sz="1200" dirty="0"/>
               <a:t>)</a:t>
             </a:r>
             <a:endParaRPr lang="ru-RU" sz="1200" dirty="0"/>
@@ -3088,18 +3084,17 @@
           <a:p>
             <a:pPr algn="ctr"/>
             <a:r>
-              <a:rPr lang="ru-RU" sz="1200" dirty="0" smtClean="0"/>
+              <a:rPr lang="ru-RU" sz="1200" dirty="0"/>
               <a:t>Внедрить новые локомотивы (</a:t>
             </a:r>
             <a:r>
-              <a:rPr lang="en-US" sz="1200" dirty="0" smtClean="0"/>
+              <a:rPr lang="en-US" sz="1200" dirty="0"/>
               <a:t>+</a:t>
             </a:r>
             <a:r>
-              <a:rPr lang="ru-RU" sz="1200" dirty="0" smtClean="0"/>
+              <a:rPr lang="ru-RU" sz="1200" dirty="0"/>
               <a:t>1 инфраструктуры в каждом регионе)</a:t>
             </a:r>
-            <a:endParaRPr lang="ru-RU" sz="1200" dirty="0"/>
           </a:p>
         </p:txBody>
       </p:sp>
@@ -3181,18 +3176,17 @@
           <a:p>
             <a:pPr algn="ctr"/>
             <a:r>
-              <a:rPr lang="ru-RU" sz="1200" dirty="0" smtClean="0"/>
+              <a:rPr lang="ru-RU" sz="1200" dirty="0"/>
               <a:t>Построить новые железные дороги (</a:t>
             </a:r>
             <a:r>
-              <a:rPr lang="en-US" sz="1200" dirty="0" smtClean="0"/>
+              <a:rPr lang="en-US" sz="1200" dirty="0"/>
               <a:t>+</a:t>
             </a:r>
             <a:r>
-              <a:rPr lang="ru-RU" sz="1200" dirty="0" smtClean="0"/>
+              <a:rPr lang="ru-RU" sz="1200" dirty="0"/>
               <a:t>2 инфраструктуры в каждом регионе)</a:t>
             </a:r>
-            <a:endParaRPr lang="ru-RU" sz="1200" dirty="0"/>
           </a:p>
         </p:txBody>
       </p:sp>
@@ -3274,26 +3268,25 @@
           <a:p>
             <a:pPr algn="ctr"/>
             <a:r>
-              <a:rPr lang="ru-RU" sz="1200" dirty="0" smtClean="0"/>
+              <a:rPr lang="ru-RU" sz="1200" dirty="0"/>
               <a:t>Поддержка фермеров (</a:t>
             </a:r>
             <a:r>
-              <a:rPr lang="en-US" sz="1200" dirty="0" smtClean="0"/>
+              <a:rPr lang="en-US" sz="1200" dirty="0"/>
               <a:t>+</a:t>
             </a:r>
             <a:r>
-              <a:rPr lang="ru-RU" sz="1200" dirty="0" smtClean="0"/>
+              <a:rPr lang="ru-RU" sz="1200" dirty="0"/>
               <a:t>1 ячейка для строительства в каждом регионе</a:t>
             </a:r>
             <a:r>
-              <a:rPr lang="en-US" sz="1200" dirty="0" smtClean="0"/>
+              <a:rPr lang="en-US" sz="1200" dirty="0"/>
               <a:t>; +10% </a:t>
             </a:r>
             <a:r>
-              <a:rPr lang="ru-RU" sz="1200" dirty="0" smtClean="0"/>
+              <a:rPr lang="ru-RU" sz="1200" dirty="0"/>
               <a:t>прироста населения)</a:t>
             </a:r>
-            <a:endParaRPr lang="ru-RU" sz="1200" dirty="0"/>
           </a:p>
         </p:txBody>
       </p:sp>
@@ -3375,42 +3368,41 @@
           <a:p>
             <a:pPr algn="ctr"/>
             <a:r>
-              <a:rPr lang="ru-RU" sz="1100" dirty="0" smtClean="0"/>
+              <a:rPr lang="ru-RU" sz="1100" dirty="0"/>
               <a:t>Провести социальные реформы (удаление </a:t>
             </a:r>
             <a:r>
-              <a:rPr lang="ru-RU" sz="1100" dirty="0" err="1" smtClean="0"/>
+              <a:rPr lang="ru-RU" sz="1100" dirty="0" err="1"/>
               <a:t>нацдуха</a:t>
             </a:r>
             <a:r>
-              <a:rPr lang="ru-RU" sz="1100" dirty="0" smtClean="0"/>
+              <a:rPr lang="ru-RU" sz="1100" dirty="0"/>
               <a:t> «Тяжёлая социальная обстановка», </a:t>
             </a:r>
             <a:r>
-              <a:rPr lang="en-US" sz="1100" dirty="0" smtClean="0"/>
+              <a:rPr lang="en-US" sz="1100" dirty="0"/>
               <a:t>+10</a:t>
             </a:r>
             <a:r>
-              <a:rPr lang="ru-RU" sz="1100" dirty="0" smtClean="0"/>
+              <a:rPr lang="ru-RU" sz="1100" dirty="0"/>
               <a:t>% стабильности, -10</a:t>
             </a:r>
             <a:r>
-              <a:rPr lang="en-US" sz="1100" dirty="0" smtClean="0"/>
+              <a:rPr lang="en-US" sz="1100" dirty="0"/>
               <a:t>% </a:t>
             </a:r>
             <a:r>
-              <a:rPr lang="ru-RU" sz="1100" dirty="0" smtClean="0"/>
+              <a:rPr lang="ru-RU" sz="1100" dirty="0"/>
               <a:t>анархизма, -5</a:t>
             </a:r>
             <a:r>
-              <a:rPr lang="en-US" sz="1100" dirty="0" smtClean="0"/>
+              <a:rPr lang="en-US" sz="1100" dirty="0"/>
               <a:t>% </a:t>
             </a:r>
             <a:r>
-              <a:rPr lang="ru-RU" sz="1100" dirty="0" smtClean="0"/>
+              <a:rPr lang="ru-RU" sz="1100" dirty="0"/>
               <a:t>коммунизма)</a:t>
             </a:r>
-            <a:endParaRPr lang="ru-RU" sz="1100" dirty="0"/>
           </a:p>
         </p:txBody>
       </p:sp>
@@ -3456,19 +3448,19 @@
           <a:p>
             <a:pPr algn="ctr"/>
             <a:r>
-              <a:rPr lang="ru-RU" sz="1200" dirty="0" smtClean="0"/>
+              <a:rPr lang="ru-RU" sz="1200" dirty="0"/>
               <a:t>Протекционистская политика в сельском хозяйстве (</a:t>
             </a:r>
             <a:r>
-              <a:rPr lang="en-US" sz="1200" dirty="0" smtClean="0"/>
+              <a:rPr lang="en-US" sz="1200" dirty="0"/>
               <a:t>+</a:t>
             </a:r>
             <a:r>
-              <a:rPr lang="ru-RU" sz="1200" dirty="0" smtClean="0"/>
+              <a:rPr lang="ru-RU" sz="1200" dirty="0"/>
               <a:t> к объёмам производства</a:t>
             </a:r>
             <a:r>
-              <a:rPr lang="en-US" sz="1200" dirty="0" smtClean="0"/>
+              <a:rPr lang="en-US" sz="1200" dirty="0"/>
               <a:t>)</a:t>
             </a:r>
             <a:endParaRPr lang="ru-RU" sz="1200" dirty="0"/>
@@ -3553,11 +3545,11 @@
           <a:p>
             <a:pPr algn="ctr"/>
             <a:r>
-              <a:rPr lang="ru-RU" sz="1200" dirty="0" smtClean="0"/>
+              <a:rPr lang="ru-RU" sz="1200" dirty="0"/>
               <a:t>Вложения в </a:t>
             </a:r>
             <a:r>
-              <a:rPr lang="ru-RU" sz="1200" smtClean="0"/>
+              <a:rPr lang="ru-RU" sz="1200"/>
               <a:t>Пятую провинцию</a:t>
             </a:r>
             <a:endParaRPr lang="ru-RU" sz="1200" dirty="0"/>
@@ -3606,10 +3598,9 @@
           <a:p>
             <a:pPr algn="ctr"/>
             <a:r>
-              <a:rPr lang="ru-RU" sz="1200" dirty="0" smtClean="0"/>
+              <a:rPr lang="ru-RU" sz="1200" dirty="0"/>
               <a:t>Расширить автономию Юго-Западной Африки</a:t>
             </a:r>
-            <a:endParaRPr lang="ru-RU" sz="1200" dirty="0"/>
           </a:p>
         </p:txBody>
       </p:sp>
@@ -3765,10 +3756,9 @@
           <a:p>
             <a:pPr algn="ctr"/>
             <a:r>
-              <a:rPr lang="ru-RU" sz="1200" dirty="0" smtClean="0"/>
+              <a:rPr lang="ru-RU" sz="1200" dirty="0"/>
               <a:t>Заложить новые доки в Кейптауне</a:t>
             </a:r>
-            <a:endParaRPr lang="ru-RU" sz="1200" dirty="0"/>
           </a:p>
         </p:txBody>
       </p:sp>
@@ -3850,18 +3840,17 @@
           <a:p>
             <a:pPr algn="ctr"/>
             <a:r>
-              <a:rPr lang="ru-RU" sz="1200" dirty="0" smtClean="0"/>
+              <a:rPr lang="ru-RU" sz="1200" dirty="0"/>
               <a:t>Расширение промышленности (</a:t>
             </a:r>
             <a:r>
-              <a:rPr lang="en-US" sz="1200" dirty="0" smtClean="0"/>
+              <a:rPr lang="en-US" sz="1200" dirty="0"/>
               <a:t>+</a:t>
             </a:r>
             <a:r>
-              <a:rPr lang="ru-RU" sz="1200" dirty="0" smtClean="0"/>
+              <a:rPr lang="ru-RU" sz="1200" dirty="0"/>
               <a:t>2 фабрики)</a:t>
             </a:r>
-            <a:endParaRPr lang="ru-RU" sz="1200" dirty="0"/>
           </a:p>
         </p:txBody>
       </p:sp>
@@ -3943,18 +3932,17 @@
           <a:p>
             <a:pPr algn="ctr"/>
             <a:r>
-              <a:rPr lang="ru-RU" sz="1200" dirty="0" smtClean="0"/>
+              <a:rPr lang="ru-RU" sz="1200" dirty="0"/>
               <a:t>Развитие внутренних регионов (</a:t>
             </a:r>
             <a:r>
-              <a:rPr lang="en-US" sz="1200" dirty="0" smtClean="0"/>
+              <a:rPr lang="en-US" sz="1200" dirty="0"/>
               <a:t>+2 </a:t>
             </a:r>
             <a:r>
-              <a:rPr lang="ru-RU" sz="1200" dirty="0" smtClean="0"/>
+              <a:rPr lang="ru-RU" sz="1200" dirty="0"/>
               <a:t>фабрики)</a:t>
             </a:r>
-            <a:endParaRPr lang="ru-RU" sz="1200" dirty="0"/>
           </a:p>
         </p:txBody>
       </p:sp>
@@ -4036,10 +4024,9 @@
           <a:p>
             <a:pPr algn="ctr"/>
             <a:r>
-              <a:rPr lang="ru-RU" sz="1200" dirty="0" smtClean="0"/>
+              <a:rPr lang="ru-RU" sz="1200" dirty="0"/>
               <a:t>Южноафриканская сталь</a:t>
             </a:r>
-            <a:endParaRPr lang="ru-RU" sz="1200" dirty="0"/>
           </a:p>
         </p:txBody>
       </p:sp>
@@ -4121,26 +4108,25 @@
           <a:p>
             <a:pPr algn="ctr"/>
             <a:r>
-              <a:rPr lang="ru-RU" sz="1200" dirty="0" smtClean="0"/>
+              <a:rPr lang="ru-RU" sz="1200" dirty="0"/>
               <a:t>Расширить добычу золота (+ к приросту </a:t>
             </a:r>
             <a:r>
-              <a:rPr lang="ru-RU" sz="1200" dirty="0" err="1" smtClean="0"/>
+              <a:rPr lang="ru-RU" sz="1200" dirty="0" err="1"/>
               <a:t>политвласти</a:t>
             </a:r>
             <a:r>
-              <a:rPr lang="ru-RU" sz="1200" dirty="0" smtClean="0"/>
+              <a:rPr lang="ru-RU" sz="1200" dirty="0"/>
               <a:t>, </a:t>
             </a:r>
             <a:r>
-              <a:rPr lang="en-US" sz="1200" dirty="0" smtClean="0"/>
+              <a:rPr lang="en-US" sz="1200" dirty="0"/>
               <a:t>+ </a:t>
             </a:r>
             <a:r>
-              <a:rPr lang="ru-RU" sz="1200" dirty="0" smtClean="0"/>
+              <a:rPr lang="ru-RU" sz="1200" dirty="0"/>
               <a:t>к скорости строительства)</a:t>
             </a:r>
-            <a:endParaRPr lang="ru-RU" sz="1200" dirty="0"/>
           </a:p>
         </p:txBody>
       </p:sp>
@@ -4222,18 +4208,17 @@
           <a:p>
             <a:pPr algn="ctr"/>
             <a:r>
-              <a:rPr lang="ru-RU" sz="1200" dirty="0" smtClean="0"/>
+              <a:rPr lang="ru-RU" sz="1200" dirty="0"/>
               <a:t>Расширить сеть школ для чёрных (</a:t>
             </a:r>
             <a:r>
-              <a:rPr lang="en-US" sz="1200" dirty="0" smtClean="0"/>
+              <a:rPr lang="en-US" sz="1200" dirty="0"/>
               <a:t>+</a:t>
             </a:r>
             <a:r>
-              <a:rPr lang="ru-RU" sz="1200" dirty="0" smtClean="0"/>
+              <a:rPr lang="ru-RU" sz="1200" dirty="0"/>
               <a:t>1 ячейка для исследований)</a:t>
             </a:r>
-            <a:endParaRPr lang="ru-RU" sz="1200" dirty="0"/>
           </a:p>
         </p:txBody>
       </p:sp>
@@ -4315,34 +4300,33 @@
           <a:p>
             <a:pPr algn="ctr"/>
             <a:r>
-              <a:rPr lang="ru-RU" sz="1200" dirty="0" smtClean="0"/>
+              <a:rPr lang="ru-RU" sz="1200" dirty="0"/>
               <a:t>Вложиться в образование для белых (</a:t>
             </a:r>
             <a:r>
-              <a:rPr lang="en-US" sz="1200" dirty="0" smtClean="0"/>
+              <a:rPr lang="en-US" sz="1200" dirty="0"/>
               <a:t>+</a:t>
             </a:r>
             <a:r>
-              <a:rPr lang="ru-RU" sz="1200" dirty="0" smtClean="0"/>
+              <a:rPr lang="ru-RU" sz="1200" dirty="0"/>
               <a:t> к скорости изучения технологий, </a:t>
             </a:r>
             <a:r>
-              <a:rPr lang="en-US" sz="1200" dirty="0" smtClean="0"/>
+              <a:rPr lang="en-US" sz="1200" dirty="0"/>
               <a:t>+</a:t>
             </a:r>
             <a:r>
-              <a:rPr lang="ru-RU" sz="1200" dirty="0" smtClean="0"/>
+              <a:rPr lang="ru-RU" sz="1200" dirty="0"/>
               <a:t> к скорости изучения технологий </a:t>
             </a:r>
             <a:r>
-              <a:rPr lang="ru-RU" sz="1200" dirty="0" err="1" smtClean="0"/>
+              <a:rPr lang="ru-RU" sz="1200" dirty="0" err="1"/>
               <a:t>промышл</a:t>
             </a:r>
             <a:r>
-              <a:rPr lang="ru-RU" sz="1200" dirty="0" smtClean="0"/>
+              <a:rPr lang="ru-RU" sz="1200" dirty="0"/>
               <a:t>.)</a:t>
             </a:r>
-            <a:endParaRPr lang="ru-RU" sz="1200" dirty="0"/>
           </a:p>
         </p:txBody>
       </p:sp>
@@ -4462,26 +4446,25 @@
           <a:p>
             <a:pPr algn="ctr"/>
             <a:r>
-              <a:rPr lang="ru-RU" sz="1200" dirty="0" smtClean="0"/>
+              <a:rPr lang="ru-RU" sz="1200" dirty="0"/>
               <a:t>Расширить университет Претории (</a:t>
             </a:r>
             <a:r>
-              <a:rPr lang="en-US" sz="1200" dirty="0" smtClean="0"/>
+              <a:rPr lang="en-US" sz="1200" dirty="0"/>
               <a:t>+</a:t>
             </a:r>
             <a:r>
-              <a:rPr lang="ru-RU" sz="1200" dirty="0" smtClean="0"/>
+              <a:rPr lang="ru-RU" sz="1200" dirty="0"/>
               <a:t>1 ячейка для исследований</a:t>
             </a:r>
             <a:r>
-              <a:rPr lang="en-US" sz="1200" dirty="0" smtClean="0"/>
+              <a:rPr lang="en-US" sz="1200" dirty="0"/>
               <a:t>; </a:t>
             </a:r>
             <a:r>
-              <a:rPr lang="ru-RU" sz="1200" dirty="0" smtClean="0"/>
+              <a:rPr lang="ru-RU" sz="1200" dirty="0"/>
               <a:t>требуется 25 фабрик)</a:t>
             </a:r>
-            <a:endParaRPr lang="ru-RU" sz="1200" dirty="0"/>
           </a:p>
         </p:txBody>
       </p:sp>
@@ -4637,18 +4620,17 @@
           <a:p>
             <a:pPr algn="ctr"/>
             <a:r>
-              <a:rPr lang="ru-RU" sz="1200" dirty="0" smtClean="0"/>
+              <a:rPr lang="ru-RU" sz="1200" dirty="0"/>
               <a:t>Изучение атомной энергетики (</a:t>
             </a:r>
             <a:r>
-              <a:rPr lang="en-US" sz="1200" dirty="0" smtClean="0"/>
+              <a:rPr lang="en-US" sz="1200" dirty="0"/>
               <a:t>+ </a:t>
             </a:r>
             <a:r>
-              <a:rPr lang="ru-RU" sz="1200" dirty="0" smtClean="0"/>
+              <a:rPr lang="ru-RU" sz="1200" dirty="0"/>
               <a:t>к изучению атомных технологий)</a:t>
             </a:r>
-            <a:endParaRPr lang="ru-RU" sz="1200" dirty="0"/>
           </a:p>
         </p:txBody>
       </p:sp>
@@ -4694,26 +4676,25 @@
           <a:p>
             <a:pPr algn="ctr"/>
             <a:r>
-              <a:rPr lang="ru-RU" sz="1200" dirty="0" smtClean="0"/>
+              <a:rPr lang="ru-RU" sz="1200" dirty="0"/>
               <a:t>Внедрить современные стандарты образования (</a:t>
             </a:r>
             <a:r>
-              <a:rPr lang="en-US" sz="1200" dirty="0" smtClean="0"/>
+              <a:rPr lang="en-US" sz="1200" dirty="0"/>
               <a:t>+</a:t>
             </a:r>
             <a:r>
-              <a:rPr lang="ru-RU" sz="1200" dirty="0" smtClean="0"/>
+              <a:rPr lang="ru-RU" sz="1200" dirty="0"/>
               <a:t>1 ячейка для исследований</a:t>
             </a:r>
             <a:r>
-              <a:rPr lang="en-US" sz="1200" dirty="0" smtClean="0"/>
+              <a:rPr lang="en-US" sz="1200" dirty="0"/>
               <a:t>; </a:t>
             </a:r>
             <a:r>
-              <a:rPr lang="ru-RU" sz="1200" dirty="0" smtClean="0"/>
+              <a:rPr lang="ru-RU" sz="1200" dirty="0"/>
               <a:t>требуется 50 фабрик)</a:t>
             </a:r>
-            <a:endParaRPr lang="ru-RU" sz="1200" dirty="0"/>
           </a:p>
         </p:txBody>
       </p:sp>
@@ -4759,22 +4740,17 @@
           <a:p>
             <a:pPr algn="ctr"/>
             <a:r>
-              <a:rPr lang="ru-RU" sz="1200" dirty="0" smtClean="0"/>
+              <a:rPr lang="ru-RU" sz="1200" dirty="0"/>
               <a:t>Дешёвая негритянская сила (</a:t>
             </a:r>
             <a:r>
-              <a:rPr lang="en-US" sz="1200" dirty="0" smtClean="0"/>
+              <a:rPr lang="en-US" sz="1200" dirty="0"/>
               <a:t>+</a:t>
             </a:r>
             <a:r>
               <a:rPr lang="ru-RU" sz="1200" dirty="0"/>
-              <a:t> </a:t>
-            </a:r>
-            <a:r>
-              <a:rPr lang="ru-RU" sz="1200" dirty="0" smtClean="0"/>
-              <a:t>к скорости строительства и объёмам производства)</a:t>
-            </a:r>
-            <a:endParaRPr lang="ru-RU" sz="1200" dirty="0"/>
+              <a:t> к скорости строительства и объёмам производства)</a:t>
+            </a:r>
           </a:p>
         </p:txBody>
       </p:sp>
@@ -4820,26 +4796,25 @@
           <a:p>
             <a:pPr algn="ctr"/>
             <a:r>
-              <a:rPr lang="ru-RU" sz="1200" dirty="0" smtClean="0"/>
+              <a:rPr lang="ru-RU" sz="1200" dirty="0"/>
               <a:t>Расширить военную промышленность (</a:t>
             </a:r>
             <a:r>
-              <a:rPr lang="en-US" sz="1200" dirty="0" smtClean="0"/>
+              <a:rPr lang="en-US" sz="1200" dirty="0"/>
               <a:t>+2</a:t>
             </a:r>
             <a:r>
-              <a:rPr lang="ru-RU" sz="1200" dirty="0" smtClean="0"/>
+              <a:rPr lang="ru-RU" sz="1200" dirty="0"/>
               <a:t> военных завода, </a:t>
             </a:r>
             <a:r>
-              <a:rPr lang="en-US" sz="1200" dirty="0" smtClean="0"/>
+              <a:rPr lang="en-US" sz="1200" dirty="0"/>
               <a:t>+ </a:t>
             </a:r>
             <a:r>
-              <a:rPr lang="ru-RU" sz="1200" dirty="0" smtClean="0"/>
+              <a:rPr lang="ru-RU" sz="1200" dirty="0"/>
               <a:t>к скорости конверсии)</a:t>
             </a:r>
-            <a:endParaRPr lang="ru-RU" sz="1200" dirty="0"/>
           </a:p>
         </p:txBody>
       </p:sp>
@@ -4995,38 +4970,37 @@
           <a:p>
             <a:pPr algn="ctr"/>
             <a:r>
-              <a:rPr lang="ru-RU" sz="1200" dirty="0" smtClean="0"/>
+              <a:rPr lang="ru-RU" sz="1200" dirty="0"/>
               <a:t>Создать совет коренных народов (</a:t>
             </a:r>
             <a:r>
-              <a:rPr lang="en-US" sz="1200" dirty="0" smtClean="0"/>
+              <a:rPr lang="en-US" sz="1200" dirty="0"/>
               <a:t>+100 </a:t>
             </a:r>
             <a:r>
-              <a:rPr lang="ru-RU" sz="1200" dirty="0" err="1" smtClean="0"/>
+              <a:rPr lang="ru-RU" sz="1200" dirty="0" err="1"/>
               <a:t>политвласти</a:t>
             </a:r>
             <a:r>
-              <a:rPr lang="ru-RU" sz="1200" dirty="0" smtClean="0"/>
+              <a:rPr lang="ru-RU" sz="1200" dirty="0"/>
               <a:t>, </a:t>
             </a:r>
             <a:r>
-              <a:rPr lang="en-US" sz="1200" dirty="0" smtClean="0"/>
+              <a:rPr lang="en-US" sz="1200" dirty="0"/>
               <a:t>+</a:t>
             </a:r>
             <a:r>
-              <a:rPr lang="ru-RU" sz="1200" dirty="0" smtClean="0"/>
+              <a:rPr lang="ru-RU" sz="1200" dirty="0"/>
               <a:t> к </a:t>
             </a:r>
             <a:r>
-              <a:rPr lang="ru-RU" sz="1200" dirty="0" err="1" smtClean="0"/>
+              <a:rPr lang="ru-RU" sz="1200" dirty="0" err="1"/>
               <a:t>менпауэру</a:t>
             </a:r>
             <a:r>
-              <a:rPr lang="ru-RU" sz="1200" dirty="0" smtClean="0"/>
+              <a:rPr lang="ru-RU" sz="1200" dirty="0"/>
               <a:t> с чёрных регионов)</a:t>
             </a:r>
-            <a:endParaRPr lang="ru-RU" sz="1200" dirty="0"/>
           </a:p>
         </p:txBody>
       </p:sp>
@@ -5072,10 +5046,9 @@
           <a:p>
             <a:pPr algn="ctr"/>
             <a:r>
-              <a:rPr lang="ru-RU" sz="1200" dirty="0" smtClean="0"/>
+              <a:rPr lang="ru-RU" sz="1200" dirty="0"/>
               <a:t>Отказать в проведении имперской выставки</a:t>
             </a:r>
-            <a:endParaRPr lang="ru-RU" sz="1200" dirty="0"/>
           </a:p>
         </p:txBody>
       </p:sp>
@@ -5121,10 +5094,9 @@
           <a:p>
             <a:pPr algn="ctr"/>
             <a:r>
-              <a:rPr lang="ru-RU" sz="1200" dirty="0" smtClean="0"/>
+              <a:rPr lang="ru-RU" sz="1200" dirty="0"/>
               <a:t>Провести имперскую выставку</a:t>
             </a:r>
-            <a:endParaRPr lang="ru-RU" sz="1200" dirty="0"/>
           </a:p>
         </p:txBody>
       </p:sp>
@@ -5282,10 +5254,9 @@
           <a:p>
             <a:pPr algn="ctr"/>
             <a:r>
-              <a:rPr lang="ru-RU" sz="1200" dirty="0" smtClean="0"/>
+              <a:rPr lang="ru-RU" sz="1200" dirty="0"/>
               <a:t>Вопрос о нейтралитете</a:t>
             </a:r>
-            <a:endParaRPr lang="ru-RU" sz="1200" dirty="0"/>
           </a:p>
         </p:txBody>
       </p:sp>
@@ -5336,11 +5307,11 @@
           <a:p>
             <a:pPr algn="ctr"/>
             <a:r>
-              <a:rPr lang="ru-RU" sz="1200" dirty="0" smtClean="0"/>
+              <a:rPr lang="ru-RU" sz="1200" dirty="0"/>
               <a:t>Кабинет Яна </a:t>
             </a:r>
             <a:r>
-              <a:rPr lang="ru-RU" sz="1200" dirty="0" err="1" smtClean="0"/>
+              <a:rPr lang="ru-RU" sz="1200" dirty="0" err="1"/>
               <a:t>Смэтса</a:t>
             </a:r>
             <a:endParaRPr lang="ru-RU" sz="1200" dirty="0"/>
@@ -5389,10 +5360,9 @@
           <a:p>
             <a:pPr algn="ctr"/>
             <a:r>
-              <a:rPr lang="ru-RU" sz="1200" dirty="0" smtClean="0"/>
+              <a:rPr lang="ru-RU" sz="1200" dirty="0"/>
               <a:t>Распустить парламент</a:t>
             </a:r>
-            <a:endParaRPr lang="ru-RU" sz="1200" dirty="0"/>
           </a:p>
         </p:txBody>
       </p:sp>
@@ -5474,26 +5444,9 @@
           <a:p>
             <a:pPr algn="ctr"/>
             <a:r>
-              <a:rPr lang="ru-RU" sz="1200" dirty="0" smtClean="0"/>
-              <a:t>Отметить </a:t>
-            </a:r>
-            <a:r>
-              <a:rPr lang="ru-RU" sz="1200" dirty="0"/>
-              <a:t>с</a:t>
-            </a:r>
-            <a:r>
-              <a:rPr lang="ru-RU" sz="1200" dirty="0" smtClean="0"/>
-              <a:t>толетие </a:t>
-            </a:r>
-            <a:r>
-              <a:rPr lang="ru-RU" sz="1200" dirty="0"/>
-              <a:t>В</a:t>
-            </a:r>
-            <a:r>
-              <a:rPr lang="ru-RU" sz="1200" dirty="0" smtClean="0"/>
-              <a:t>еликого трека</a:t>
-            </a:r>
-            <a:endParaRPr lang="ru-RU" sz="1200" dirty="0"/>
+              <a:rPr lang="ru-RU" sz="1200" dirty="0"/>
+              <a:t>Отметить столетие Великого трека</a:t>
+            </a:r>
           </a:p>
         </p:txBody>
       </p:sp>
@@ -5539,10 +5492,9 @@
           <a:p>
             <a:pPr algn="ctr"/>
             <a:r>
-              <a:rPr lang="ru-RU" sz="1200" dirty="0" smtClean="0"/>
+              <a:rPr lang="ru-RU" sz="1200" dirty="0"/>
               <a:t>Признать африкаанс диалектом голландского языка</a:t>
             </a:r>
-            <a:endParaRPr lang="ru-RU" sz="1200" dirty="0"/>
           </a:p>
         </p:txBody>
       </p:sp>
@@ -5698,42 +5650,37 @@
           <a:p>
             <a:pPr algn="ctr"/>
             <a:r>
-              <a:rPr lang="ru-RU" sz="1100" dirty="0" smtClean="0"/>
+              <a:rPr lang="ru-RU" sz="1100" dirty="0"/>
               <a:t>Установить связи с Африканер </a:t>
             </a:r>
             <a:r>
-              <a:rPr lang="ru-RU" sz="1100" dirty="0" err="1" smtClean="0"/>
+              <a:rPr lang="ru-RU" sz="1100" dirty="0" err="1"/>
               <a:t>Бредербонд</a:t>
             </a:r>
             <a:r>
               <a:rPr lang="ru-RU" sz="1100" dirty="0"/>
-              <a:t> (замена «Конфликт культур англичан и африканеров» на </a:t>
-            </a:r>
-            <a:r>
-              <a:rPr lang="ru-RU" sz="1100" dirty="0" smtClean="0"/>
-              <a:t> </a:t>
-            </a:r>
-            <a:r>
-              <a:rPr lang="en-US" sz="1100" dirty="0" smtClean="0"/>
+              <a:t> (замена «Конфликт культур англичан и африканеров» на  </a:t>
+            </a:r>
+            <a:r>
+              <a:rPr lang="en-US" sz="1100" dirty="0"/>
               <a:t>+5% </a:t>
             </a:r>
             <a:r>
-              <a:rPr lang="ru-RU" sz="1100" dirty="0" smtClean="0"/>
+              <a:rPr lang="ru-RU" sz="1100" dirty="0"/>
               <a:t>поддержки войны, </a:t>
             </a:r>
             <a:r>
-              <a:rPr lang="en-US" sz="1100" dirty="0" smtClean="0"/>
+              <a:rPr lang="en-US" sz="1100" dirty="0"/>
               <a:t>+4% </a:t>
             </a:r>
             <a:r>
-              <a:rPr lang="ru-RU" sz="1100" dirty="0" err="1" smtClean="0"/>
+              <a:rPr lang="ru-RU" sz="1100" dirty="0" err="1"/>
               <a:t>менпауэра</a:t>
             </a:r>
             <a:r>
-              <a:rPr lang="ru-RU" sz="1100" dirty="0" smtClean="0"/>
+              <a:rPr lang="ru-RU" sz="1100" dirty="0"/>
               <a:t>)</a:t>
             </a:r>
-            <a:endParaRPr lang="ru-RU" sz="1100" dirty="0"/>
           </a:p>
         </p:txBody>
       </p:sp>
@@ -5815,58 +5762,45 @@
           <a:p>
             <a:pPr algn="ctr"/>
             <a:r>
-              <a:rPr lang="ru-RU" sz="1100" dirty="0" smtClean="0"/>
+              <a:rPr lang="ru-RU" sz="1100" dirty="0"/>
               <a:t>Прекратить дискриминацию </a:t>
             </a:r>
             <a:r>
-              <a:rPr lang="ru-RU" sz="1100" dirty="0" err="1" smtClean="0"/>
+              <a:rPr lang="ru-RU" sz="1100" dirty="0" err="1"/>
               <a:t>англофонов</a:t>
             </a:r>
             <a:r>
               <a:rPr lang="ru-RU" sz="1100" dirty="0"/>
-              <a:t> (замена </a:t>
-            </a:r>
-            <a:r>
-              <a:rPr lang="ru-RU" sz="1100" dirty="0" smtClean="0"/>
-              <a:t>«Конфликт </a:t>
+              <a:t> (замена «Конфликт культур англичан и африканеров» на </a:t>
+            </a:r>
+            <a:r>
+              <a:rPr lang="en-US" sz="1100" dirty="0"/>
+              <a:t>+2% </a:t>
+            </a:r>
+            <a:r>
+              <a:rPr lang="ru-RU" sz="1100" dirty="0" err="1"/>
+              <a:t>менпауэра</a:t>
             </a:r>
             <a:r>
               <a:rPr lang="ru-RU" sz="1100" dirty="0"/>
-              <a:t>культур англичан и африканеров</a:t>
-            </a:r>
-            <a:r>
-              <a:rPr lang="ru-RU" sz="1100" dirty="0" smtClean="0"/>
-              <a:t>» на </a:t>
-            </a:r>
-            <a:r>
-              <a:rPr lang="en-US" sz="1100" dirty="0" smtClean="0"/>
-              <a:t>+2% </a:t>
-            </a:r>
-            <a:r>
-              <a:rPr lang="ru-RU" sz="1100" dirty="0" err="1" smtClean="0"/>
-              <a:t>менпауэра</a:t>
-            </a:r>
-            <a:r>
-              <a:rPr lang="ru-RU" sz="1100" dirty="0" smtClean="0"/>
               <a:t>, </a:t>
             </a:r>
             <a:r>
-              <a:rPr lang="en-US" sz="1100" dirty="0" smtClean="0"/>
+              <a:rPr lang="en-US" sz="1100" dirty="0"/>
               <a:t>+10% </a:t>
             </a:r>
             <a:r>
-              <a:rPr lang="ru-RU" sz="1100" dirty="0" smtClean="0"/>
+              <a:rPr lang="ru-RU" sz="1100" dirty="0"/>
               <a:t>стабильности, </a:t>
             </a:r>
             <a:r>
-              <a:rPr lang="en-US" sz="1100" dirty="0" smtClean="0"/>
+              <a:rPr lang="en-US" sz="1100" dirty="0"/>
               <a:t>+10% </a:t>
             </a:r>
             <a:r>
-              <a:rPr lang="ru-RU" sz="1100" dirty="0" smtClean="0"/>
+              <a:rPr lang="ru-RU" sz="1100" dirty="0"/>
               <a:t>поддержки войны)</a:t>
             </a:r>
-            <a:endParaRPr lang="ru-RU" sz="1100" dirty="0"/>
           </a:p>
         </p:txBody>
       </p:sp>
@@ -5986,34 +5920,33 @@
           <a:p>
             <a:pPr algn="ctr"/>
             <a:r>
-              <a:rPr lang="ru-RU" sz="1200" dirty="0" smtClean="0"/>
+              <a:rPr lang="ru-RU" sz="1200" dirty="0"/>
               <a:t>Начать травлю англофилов (</a:t>
             </a:r>
             <a:r>
-              <a:rPr lang="en-US" sz="1200" dirty="0" smtClean="0"/>
+              <a:rPr lang="en-US" sz="1200" dirty="0"/>
               <a:t>+1</a:t>
             </a:r>
             <a:r>
-              <a:rPr lang="ru-RU" sz="1200" dirty="0" smtClean="0"/>
+              <a:rPr lang="ru-RU" sz="1200" dirty="0"/>
               <a:t>5</a:t>
             </a:r>
             <a:r>
-              <a:rPr lang="en-US" sz="1200" dirty="0" smtClean="0"/>
+              <a:rPr lang="en-US" sz="1200" dirty="0"/>
               <a:t>% </a:t>
             </a:r>
             <a:r>
-              <a:rPr lang="ru-RU" sz="1200" dirty="0" smtClean="0"/>
+              <a:rPr lang="ru-RU" sz="1200" dirty="0"/>
               <a:t>поддержки войны</a:t>
             </a:r>
             <a:r>
-              <a:rPr lang="en-US" sz="1200" dirty="0" smtClean="0"/>
+              <a:rPr lang="en-US" sz="1200" dirty="0"/>
               <a:t>; </a:t>
             </a:r>
             <a:r>
-              <a:rPr lang="ru-RU" sz="1200" dirty="0" smtClean="0"/>
+              <a:rPr lang="ru-RU" sz="1200" dirty="0"/>
               <a:t>изучается всего 35 дней)</a:t>
             </a:r>
-            <a:endParaRPr lang="ru-RU" sz="1200" dirty="0"/>
           </a:p>
         </p:txBody>
       </p:sp>
@@ -6094,10 +6027,9 @@
           <a:p>
             <a:pPr algn="ctr"/>
             <a:r>
-              <a:rPr lang="ru-RU" sz="1200" dirty="0" smtClean="0"/>
+              <a:rPr lang="ru-RU" sz="1200" dirty="0"/>
               <a:t>Объявить о создании республики</a:t>
             </a:r>
-            <a:endParaRPr lang="ru-RU" sz="1200" dirty="0"/>
           </a:p>
         </p:txBody>
       </p:sp>
@@ -6179,10 +6111,9 @@
           <a:p>
             <a:pPr algn="ctr"/>
             <a:r>
-              <a:rPr lang="ru-RU" sz="1200" dirty="0" smtClean="0"/>
+              <a:rPr lang="ru-RU" sz="1200" dirty="0"/>
               <a:t>Провести выборы</a:t>
             </a:r>
-            <a:endParaRPr lang="ru-RU" sz="1200" dirty="0"/>
           </a:p>
         </p:txBody>
       </p:sp>
@@ -6269,18 +6200,17 @@
           <a:p>
             <a:pPr algn="ctr"/>
             <a:r>
-              <a:rPr lang="ru-RU" sz="1200" dirty="0" smtClean="0"/>
+              <a:rPr lang="ru-RU" sz="1200" dirty="0"/>
               <a:t>Правительство радикалов (</a:t>
             </a:r>
             <a:r>
-              <a:rPr lang="en-US" sz="1200" dirty="0" smtClean="0"/>
+              <a:rPr lang="en-US" sz="1200" dirty="0"/>
               <a:t>+</a:t>
             </a:r>
             <a:r>
-              <a:rPr lang="ru-RU" sz="1200" dirty="0" smtClean="0"/>
+              <a:rPr lang="ru-RU" sz="1200" dirty="0"/>
               <a:t>0,05 популярности фашизма ежедневно на 90 дней, изучается всего 35 дней)</a:t>
             </a:r>
-            <a:endParaRPr lang="ru-RU" sz="1200" dirty="0"/>
           </a:p>
         </p:txBody>
       </p:sp>
@@ -6367,7 +6297,7 @@
           <a:p>
             <a:pPr algn="ctr"/>
             <a:r>
-              <a:rPr lang="ru-RU" sz="1200" dirty="0" smtClean="0"/>
+              <a:rPr lang="ru-RU" sz="1200" dirty="0"/>
               <a:t>Победа Очищенной национальной партии (</a:t>
             </a:r>
             <a:r>
@@ -6376,15 +6306,7 @@
             </a:r>
             <a:r>
               <a:rPr lang="ru-RU" sz="1200" dirty="0"/>
-              <a:t>0,05 </a:t>
-            </a:r>
-            <a:r>
-              <a:rPr lang="ru-RU" sz="1200" dirty="0" smtClean="0"/>
-              <a:t>популярности демократии </a:t>
-            </a:r>
-            <a:r>
-              <a:rPr lang="ru-RU" sz="1200" dirty="0"/>
-              <a:t>ежедневно на 90 дней, изучается всего 35 дней)</a:t>
+              <a:t>0,05 популярности демократии ежедневно на 90 дней, изучается всего 35 дней)</a:t>
             </a:r>
           </a:p>
         </p:txBody>
@@ -6470,18 +6392,17 @@
           <a:p>
             <a:pPr algn="ctr"/>
             <a:r>
-              <a:rPr lang="ru-RU" sz="1200" dirty="0" smtClean="0"/>
+              <a:rPr lang="ru-RU" sz="1200" dirty="0"/>
               <a:t>Правление по указу Герцога (</a:t>
             </a:r>
             <a:r>
-              <a:rPr lang="en-US" sz="1200" dirty="0" smtClean="0"/>
+              <a:rPr lang="en-US" sz="1200" dirty="0"/>
               <a:t>+15% </a:t>
             </a:r>
             <a:r>
-              <a:rPr lang="ru-RU" sz="1200" dirty="0" smtClean="0"/>
+              <a:rPr lang="ru-RU" sz="1200" dirty="0"/>
               <a:t>популярности авторитаризма, изучается всего 35 дней)</a:t>
             </a:r>
-            <a:endParaRPr lang="ru-RU" sz="1200" dirty="0"/>
           </a:p>
         </p:txBody>
       </p:sp>
@@ -6639,10 +6560,9 @@
           <a:p>
             <a:pPr algn="ctr"/>
             <a:r>
-              <a:rPr lang="ru-RU" sz="1200" dirty="0" smtClean="0"/>
+              <a:rPr lang="ru-RU" sz="1200" dirty="0"/>
               <a:t>Начать политику апартеида</a:t>
             </a:r>
-            <a:endParaRPr lang="ru-RU" sz="1200" dirty="0"/>
           </a:p>
         </p:txBody>
       </p:sp>
@@ -6762,10 +6682,9 @@
           <a:p>
             <a:pPr algn="ctr"/>
             <a:r>
-              <a:rPr lang="ru-RU" sz="1200" dirty="0" smtClean="0"/>
+              <a:rPr lang="ru-RU" sz="1200" dirty="0"/>
               <a:t>Принять законы о защите расы</a:t>
             </a:r>
-            <a:endParaRPr lang="ru-RU" sz="1200" dirty="0"/>
           </a:p>
         </p:txBody>
       </p:sp>
@@ -6852,34 +6771,33 @@
           <a:p>
             <a:pPr algn="ctr"/>
             <a:r>
-              <a:rPr lang="ru-RU" sz="1200" dirty="0" smtClean="0"/>
+              <a:rPr lang="ru-RU" sz="1200" dirty="0"/>
               <a:t>Вооружённые отряды «</a:t>
             </a:r>
             <a:r>
-              <a:rPr lang="ru-RU" sz="1200" dirty="0" err="1" smtClean="0"/>
+              <a:rPr lang="ru-RU" sz="1200" dirty="0" err="1"/>
               <a:t>Стормьямс</a:t>
             </a:r>
             <a:r>
-              <a:rPr lang="ru-RU" sz="1200" dirty="0" smtClean="0"/>
+              <a:rPr lang="ru-RU" sz="1200" dirty="0"/>
               <a:t>» (</a:t>
             </a:r>
             <a:r>
-              <a:rPr lang="en-US" sz="1200" dirty="0" smtClean="0"/>
+              <a:rPr lang="en-US" sz="1200" dirty="0"/>
               <a:t>+</a:t>
             </a:r>
             <a:r>
-              <a:rPr lang="ru-RU" sz="1200" dirty="0" smtClean="0"/>
+              <a:rPr lang="ru-RU" sz="1200" dirty="0"/>
               <a:t>2 дивизии в столице, </a:t>
             </a:r>
             <a:r>
-              <a:rPr lang="en-US" sz="1200" dirty="0" smtClean="0"/>
+              <a:rPr lang="en-US" sz="1200" dirty="0"/>
               <a:t>+</a:t>
             </a:r>
             <a:r>
-              <a:rPr lang="ru-RU" sz="1200" dirty="0" smtClean="0"/>
+              <a:rPr lang="ru-RU" sz="1200" dirty="0"/>
               <a:t> к скорости создания дивизий)</a:t>
             </a:r>
-            <a:endParaRPr lang="ru-RU" sz="1200" dirty="0"/>
           </a:p>
         </p:txBody>
       </p:sp>
@@ -6966,26 +6884,25 @@
           <a:p>
             <a:pPr algn="ctr"/>
             <a:r>
-              <a:rPr lang="ru-RU" sz="1200" dirty="0" smtClean="0"/>
+              <a:rPr lang="ru-RU" sz="1200" dirty="0"/>
               <a:t>Запретить чёрные профсоюзы (</a:t>
             </a:r>
             <a:r>
-              <a:rPr lang="en-US" sz="1200" dirty="0" smtClean="0"/>
+              <a:rPr lang="en-US" sz="1200" dirty="0"/>
               <a:t>-0</a:t>
             </a:r>
             <a:r>
-              <a:rPr lang="ru-RU" sz="1200" dirty="0" smtClean="0"/>
+              <a:rPr lang="ru-RU" sz="1200" dirty="0"/>
               <a:t>,05 к приросту коммунизма и анархизма</a:t>
             </a:r>
             <a:r>
-              <a:rPr lang="en-US" sz="1200" dirty="0" smtClean="0"/>
+              <a:rPr lang="en-US" sz="1200" dirty="0"/>
               <a:t>; +20 </a:t>
             </a:r>
             <a:r>
-              <a:rPr lang="ru-RU" sz="1200" dirty="0" smtClean="0"/>
+              <a:rPr lang="ru-RU" sz="1200" dirty="0"/>
               <a:t>к приросту ресурсов)</a:t>
             </a:r>
-            <a:endParaRPr lang="ru-RU" sz="1200" dirty="0"/>
           </a:p>
         </p:txBody>
       </p:sp>
@@ -7067,10 +6984,9 @@
           <a:p>
             <a:pPr algn="ctr"/>
             <a:r>
-              <a:rPr lang="ru-RU" sz="1200" dirty="0" smtClean="0"/>
+              <a:rPr lang="ru-RU" sz="1200" dirty="0"/>
               <a:t>Бремя белого человека</a:t>
             </a:r>
-            <a:endParaRPr lang="ru-RU" sz="1200" dirty="0"/>
           </a:p>
         </p:txBody>
       </p:sp>
@@ -7116,10 +7032,9 @@
           <a:p>
             <a:pPr algn="ctr"/>
             <a:r>
-              <a:rPr lang="ru-RU" sz="1200" dirty="0" smtClean="0"/>
+              <a:rPr lang="ru-RU" sz="1200" dirty="0"/>
               <a:t>Восстание чёрного населения</a:t>
             </a:r>
-            <a:endParaRPr lang="ru-RU" sz="1200" dirty="0"/>
           </a:p>
         </p:txBody>
       </p:sp>
@@ -7242,34 +7157,33 @@
           <a:p>
             <a:pPr algn="ctr"/>
             <a:r>
-              <a:rPr lang="ru-RU" sz="1100" dirty="0" smtClean="0"/>
+              <a:rPr lang="ru-RU" sz="1100" dirty="0"/>
               <a:t>Укрепить </a:t>
             </a:r>
             <a:r>
-              <a:rPr lang="ru-RU" sz="1100" dirty="0" err="1" smtClean="0"/>
+              <a:rPr lang="ru-RU" sz="1100" dirty="0" err="1"/>
               <a:t>африканерский</a:t>
             </a:r>
             <a:r>
-              <a:rPr lang="ru-RU" sz="1100" dirty="0" smtClean="0"/>
+              <a:rPr lang="ru-RU" sz="1100" dirty="0"/>
               <a:t> национализм (</a:t>
             </a:r>
             <a:r>
-              <a:rPr lang="en-US" sz="1100" dirty="0" smtClean="0"/>
+              <a:rPr lang="en-US" sz="1100" dirty="0"/>
               <a:t>+10% </a:t>
             </a:r>
             <a:r>
-              <a:rPr lang="ru-RU" sz="1100" dirty="0" smtClean="0"/>
+              <a:rPr lang="ru-RU" sz="1100" dirty="0"/>
               <a:t>атаки и обороны на национальной территории, </a:t>
             </a:r>
             <a:r>
-              <a:rPr lang="en-US" sz="1100" dirty="0" smtClean="0"/>
+              <a:rPr lang="en-US" sz="1100" dirty="0"/>
               <a:t>+15% </a:t>
             </a:r>
             <a:r>
-              <a:rPr lang="ru-RU" sz="1100" dirty="0" smtClean="0"/>
+              <a:rPr lang="ru-RU" sz="1100" dirty="0"/>
               <a:t>поддержки войны)</a:t>
             </a:r>
-            <a:endParaRPr lang="ru-RU" sz="1100" dirty="0"/>
           </a:p>
         </p:txBody>
       </p:sp>
@@ -7351,18 +7265,17 @@
           <a:p>
             <a:pPr algn="ctr"/>
             <a:r>
-              <a:rPr lang="ru-RU" sz="1200" dirty="0" smtClean="0"/>
+              <a:rPr lang="ru-RU" sz="1200" dirty="0"/>
               <a:t>Вступить в Ось (событие на желание вступить в альянс </a:t>
             </a:r>
             <a:r>
-              <a:rPr lang="en-US" sz="1200" dirty="0" smtClean="0"/>
+              <a:rPr lang="en-US" sz="1200" dirty="0"/>
               <a:t>GER</a:t>
             </a:r>
             <a:r>
-              <a:rPr lang="ru-RU" sz="1200" dirty="0" smtClean="0"/>
+              <a:rPr lang="ru-RU" sz="1200" dirty="0"/>
               <a:t>)</a:t>
             </a:r>
-            <a:endParaRPr lang="ru-RU" sz="1200" dirty="0"/>
           </a:p>
         </p:txBody>
       </p:sp>
@@ -7519,14 +7432,13 @@
           <a:p>
             <a:pPr algn="ctr"/>
             <a:r>
-              <a:rPr lang="ru-RU" sz="1200" dirty="0" err="1" smtClean="0"/>
+              <a:rPr lang="ru-RU" sz="1200" dirty="0" err="1"/>
               <a:t>Преторийский</a:t>
             </a:r>
             <a:r>
-              <a:rPr lang="ru-RU" sz="1200" dirty="0" smtClean="0"/>
+              <a:rPr lang="ru-RU" sz="1200" dirty="0"/>
               <a:t> договор (будет создан одноимённый альянс)</a:t>
             </a:r>
-            <a:endParaRPr lang="ru-RU" sz="1200" dirty="0"/>
           </a:p>
         </p:txBody>
       </p:sp>
@@ -7646,18 +7558,17 @@
           <a:p>
             <a:pPr algn="ctr"/>
             <a:r>
-              <a:rPr lang="ru-RU" sz="1200" dirty="0" smtClean="0"/>
+              <a:rPr lang="ru-RU" sz="1200" dirty="0"/>
               <a:t>Совместные научные исследования (создание общей научной группы с </a:t>
             </a:r>
             <a:r>
-              <a:rPr lang="en-US" sz="1200" dirty="0" smtClean="0"/>
+              <a:rPr lang="en-US" sz="1200" dirty="0"/>
               <a:t>GER; +</a:t>
             </a:r>
             <a:r>
-              <a:rPr lang="ru-RU" sz="1200" dirty="0" smtClean="0"/>
+              <a:rPr lang="ru-RU" sz="1200" dirty="0"/>
               <a:t> к изучению технологий танков)</a:t>
             </a:r>
-            <a:endParaRPr lang="ru-RU" sz="1200" dirty="0"/>
           </a:p>
         </p:txBody>
       </p:sp>
@@ -7739,10 +7650,9 @@
           <a:p>
             <a:pPr algn="ctr"/>
             <a:r>
-              <a:rPr lang="ru-RU" sz="1200" dirty="0" smtClean="0"/>
+              <a:rPr lang="ru-RU" sz="1200" dirty="0"/>
               <a:t>Пригласить Конго</a:t>
             </a:r>
-            <a:endParaRPr lang="ru-RU" sz="1200" dirty="0"/>
           </a:p>
         </p:txBody>
       </p:sp>
@@ -7791,10 +7701,9 @@
           <a:p>
             <a:pPr algn="ctr"/>
             <a:r>
-              <a:rPr lang="ru-RU" sz="1200" dirty="0" smtClean="0"/>
+              <a:rPr lang="ru-RU" sz="1200" dirty="0"/>
               <a:t>Создать народную республику</a:t>
             </a:r>
-            <a:endParaRPr lang="ru-RU" sz="1200" dirty="0"/>
           </a:p>
         </p:txBody>
       </p:sp>
@@ -7881,10 +7790,9 @@
           <a:p>
             <a:pPr algn="ctr"/>
             <a:r>
-              <a:rPr lang="ru-RU" sz="1200" dirty="0" smtClean="0"/>
+              <a:rPr lang="ru-RU" sz="1200" dirty="0"/>
               <a:t>Изгнать буров</a:t>
             </a:r>
-            <a:endParaRPr lang="ru-RU" sz="1200" dirty="0"/>
           </a:p>
         </p:txBody>
       </p:sp>
@@ -8007,10 +7915,9 @@
           <a:p>
             <a:pPr algn="ctr"/>
             <a:r>
-              <a:rPr lang="ru-RU" sz="1200" dirty="0" smtClean="0"/>
+              <a:rPr lang="ru-RU" sz="1200" dirty="0"/>
               <a:t>Вступить в Коминтерн</a:t>
             </a:r>
-            <a:endParaRPr lang="ru-RU" sz="1200" dirty="0"/>
           </a:p>
         </p:txBody>
       </p:sp>
@@ -8061,10 +7968,9 @@
           <a:p>
             <a:pPr algn="ctr"/>
             <a:r>
-              <a:rPr lang="ru-RU" sz="1200" dirty="0" smtClean="0"/>
+              <a:rPr lang="ru-RU" sz="1200" dirty="0"/>
               <a:t>Искать союз с западными демократиями</a:t>
             </a:r>
-            <a:endParaRPr lang="ru-RU" sz="1200" dirty="0"/>
           </a:p>
         </p:txBody>
       </p:sp>
@@ -8153,10 +8059,9 @@
           <a:p>
             <a:pPr algn="ctr"/>
             <a:r>
-              <a:rPr lang="ru-RU" sz="1200" dirty="0" smtClean="0"/>
+              <a:rPr lang="ru-RU" sz="1200" dirty="0"/>
               <a:t>Африканский союз (будет создан одноимённый альянс)</a:t>
             </a:r>
-            <a:endParaRPr lang="ru-RU" sz="1200" dirty="0"/>
           </a:p>
         </p:txBody>
       </p:sp>
@@ -8241,10 +8146,9 @@
           <a:p>
             <a:pPr algn="ctr"/>
             <a:r>
-              <a:rPr lang="ru-RU" sz="1200" dirty="0" smtClean="0"/>
+              <a:rPr lang="ru-RU" sz="1200" dirty="0"/>
               <a:t>Комитет освобождения Африки (будет создан одноимённый альянс)</a:t>
             </a:r>
-            <a:endParaRPr lang="ru-RU" sz="1200" dirty="0"/>
           </a:p>
         </p:txBody>
       </p:sp>
@@ -8331,10 +8235,9 @@
           <a:p>
             <a:pPr algn="ctr"/>
             <a:r>
-              <a:rPr lang="ru-RU" sz="1200" dirty="0" smtClean="0"/>
+              <a:rPr lang="ru-RU" sz="1200" dirty="0"/>
               <a:t>Принести коммунизм в Намибию</a:t>
             </a:r>
-            <a:endParaRPr lang="ru-RU" sz="1200" dirty="0"/>
           </a:p>
         </p:txBody>
       </p:sp>
@@ -8617,10 +8520,9 @@
           <a:p>
             <a:pPr algn="ctr"/>
             <a:r>
-              <a:rPr lang="ru-RU" sz="1200" dirty="0" smtClean="0"/>
+              <a:rPr lang="ru-RU" sz="1200" dirty="0"/>
               <a:t>Освободить Анголу и Мозамбик</a:t>
             </a:r>
-            <a:endParaRPr lang="ru-RU" sz="1200" dirty="0"/>
           </a:p>
         </p:txBody>
       </p:sp>
@@ -8705,10 +8607,9 @@
           <a:p>
             <a:pPr algn="ctr"/>
             <a:r>
-              <a:rPr lang="ru-RU" sz="1200" dirty="0" smtClean="0"/>
+              <a:rPr lang="ru-RU" sz="1200" dirty="0"/>
               <a:t>Освободить британские колонии</a:t>
             </a:r>
-            <a:endParaRPr lang="ru-RU" sz="1200" dirty="0"/>
           </a:p>
         </p:txBody>
       </p:sp>
@@ -8793,10 +8694,9 @@
           <a:p>
             <a:pPr algn="ctr"/>
             <a:r>
-              <a:rPr lang="ru-RU" sz="1200" dirty="0" smtClean="0"/>
+              <a:rPr lang="ru-RU" sz="1200" dirty="0"/>
               <a:t>Освободить французские колонии</a:t>
             </a:r>
-            <a:endParaRPr lang="ru-RU" sz="1200" dirty="0"/>
           </a:p>
         </p:txBody>
       </p:sp>
@@ -8881,10 +8781,9 @@
           <a:p>
             <a:pPr algn="ctr"/>
             <a:r>
-              <a:rPr lang="ru-RU" sz="1200" dirty="0" smtClean="0"/>
+              <a:rPr lang="ru-RU" sz="1200" dirty="0"/>
               <a:t>Деколонизация Конго</a:t>
             </a:r>
-            <a:endParaRPr lang="ru-RU" sz="1200" dirty="0"/>
           </a:p>
         </p:txBody>
       </p:sp>
@@ -9009,10 +8908,9 @@
           <a:p>
             <a:pPr algn="ctr"/>
             <a:r>
-              <a:rPr lang="ru-RU" sz="1200" dirty="0" smtClean="0"/>
+              <a:rPr lang="ru-RU" sz="1200" dirty="0"/>
               <a:t>Пригласить Намибию</a:t>
             </a:r>
-            <a:endParaRPr lang="ru-RU" sz="1200" dirty="0"/>
           </a:p>
         </p:txBody>
       </p:sp>
@@ -9099,10 +8997,9 @@
           <a:p>
             <a:pPr algn="ctr"/>
             <a:r>
-              <a:rPr lang="ru-RU" sz="1200" dirty="0" smtClean="0"/>
+              <a:rPr lang="ru-RU" sz="1200" dirty="0"/>
               <a:t>Пригласить Эфиопию</a:t>
             </a:r>
-            <a:endParaRPr lang="ru-RU" sz="1200" dirty="0"/>
           </a:p>
         </p:txBody>
       </p:sp>
@@ -9191,10 +9088,9 @@
           <a:p>
             <a:pPr algn="ctr"/>
             <a:r>
-              <a:rPr lang="ru-RU" sz="1200" dirty="0" smtClean="0"/>
+              <a:rPr lang="ru-RU" sz="1200" dirty="0"/>
               <a:t>Пригласить Конго</a:t>
             </a:r>
-            <a:endParaRPr lang="ru-RU" sz="1200" dirty="0"/>
           </a:p>
         </p:txBody>
       </p:sp>
@@ -9245,10 +9141,9 @@
           <a:p>
             <a:pPr algn="ctr"/>
             <a:r>
-              <a:rPr lang="ru-RU" sz="1200" dirty="0" smtClean="0"/>
+              <a:rPr lang="ru-RU" sz="1200" dirty="0"/>
               <a:t>Сотрудничество с великими державами</a:t>
             </a:r>
-            <a:endParaRPr lang="ru-RU" sz="1200" dirty="0"/>
           </a:p>
         </p:txBody>
       </p:sp>
@@ -9297,18 +9192,17 @@
           <a:p>
             <a:pPr algn="ctr"/>
             <a:r>
-              <a:rPr lang="ru-RU" sz="1200" dirty="0" smtClean="0"/>
+              <a:rPr lang="ru-RU" sz="1200" dirty="0"/>
               <a:t>Пригласить советников из Кремля (научная группа с </a:t>
             </a:r>
             <a:r>
-              <a:rPr lang="en-US" sz="1200" dirty="0" smtClean="0"/>
+              <a:rPr lang="en-US" sz="1200" dirty="0"/>
               <a:t>SOV; + </a:t>
             </a:r>
             <a:r>
-              <a:rPr lang="ru-RU" sz="1200" dirty="0" smtClean="0"/>
+              <a:rPr lang="ru-RU" sz="1200" dirty="0"/>
               <a:t>к изучению технологий пехотного снаряжения и доктрины)</a:t>
             </a:r>
-            <a:endParaRPr lang="ru-RU" sz="1200" dirty="0"/>
           </a:p>
         </p:txBody>
       </p:sp>
@@ -9395,42 +9289,41 @@
           <a:p>
             <a:pPr algn="ctr"/>
             <a:r>
-              <a:rPr lang="ru-RU" sz="1200" dirty="0" smtClean="0"/>
+              <a:rPr lang="ru-RU" sz="1200" dirty="0"/>
               <a:t>Национализировать ресурсы Южной Африки (</a:t>
             </a:r>
             <a:r>
-              <a:rPr lang="en-US" sz="1200" dirty="0" smtClean="0"/>
+              <a:rPr lang="en-US" sz="1200" dirty="0"/>
               <a:t>+</a:t>
             </a:r>
             <a:r>
-              <a:rPr lang="ru-RU" sz="1200" dirty="0" smtClean="0"/>
+              <a:rPr lang="ru-RU" sz="1200" dirty="0"/>
               <a:t>20</a:t>
             </a:r>
             <a:r>
-              <a:rPr lang="en-US" sz="1200" dirty="0" smtClean="0"/>
+              <a:rPr lang="en-US" sz="1200" dirty="0"/>
               <a:t>% </a:t>
             </a:r>
             <a:r>
-              <a:rPr lang="ru-RU" sz="1200" dirty="0" smtClean="0"/>
+              <a:rPr lang="ru-RU" sz="1200" dirty="0"/>
               <a:t>к добыче ресурсов, </a:t>
             </a:r>
             <a:r>
-              <a:rPr lang="en-US" sz="1200" dirty="0" smtClean="0"/>
+              <a:rPr lang="en-US" sz="1200" dirty="0"/>
               <a:t>+</a:t>
             </a:r>
             <a:r>
-              <a:rPr lang="ru-RU" sz="1200" dirty="0" smtClean="0"/>
+              <a:rPr lang="ru-RU" sz="1200" dirty="0"/>
               <a:t>2 фабрики, </a:t>
             </a:r>
             <a:r>
-              <a:rPr lang="en-US" sz="1200" dirty="0" smtClean="0"/>
+              <a:rPr lang="en-US" sz="1200" dirty="0"/>
               <a:t>+</a:t>
             </a:r>
             <a:r>
-              <a:rPr lang="ru-RU" sz="1200" dirty="0" smtClean="0"/>
+              <a:rPr lang="ru-RU" sz="1200" dirty="0"/>
               <a:t>1 военный завод)</a:t>
             </a:r>
-            <a:endParaRPr lang="ru-RU" sz="1200" dirty="0"/>
           </a:p>
         </p:txBody>
       </p:sp>
@@ -9479,26 +9372,25 @@
           <a:p>
             <a:pPr algn="ctr"/>
             <a:r>
-              <a:rPr lang="ru-RU" sz="1200" dirty="0" smtClean="0"/>
+              <a:rPr lang="ru-RU" sz="1200" dirty="0"/>
               <a:t>Провести коллективизацию среди фермеров (</a:t>
             </a:r>
             <a:r>
-              <a:rPr lang="en-US" sz="1200" dirty="0" smtClean="0"/>
+              <a:rPr lang="en-US" sz="1200" dirty="0"/>
               <a:t>+</a:t>
             </a:r>
             <a:r>
-              <a:rPr lang="ru-RU" sz="1200" dirty="0" smtClean="0"/>
+              <a:rPr lang="ru-RU" sz="1200" dirty="0"/>
               <a:t>1 инфраструктуры в каждом регионе, </a:t>
             </a:r>
             <a:r>
-              <a:rPr lang="en-US" sz="1200" dirty="0" smtClean="0"/>
+              <a:rPr lang="en-US" sz="1200" dirty="0"/>
               <a:t>+3 </a:t>
             </a:r>
             <a:r>
-              <a:rPr lang="ru-RU" sz="1200" dirty="0" smtClean="0"/>
+              <a:rPr lang="ru-RU" sz="1200" dirty="0"/>
               <a:t>фабрики)</a:t>
             </a:r>
-            <a:endParaRPr lang="ru-RU" sz="1200" dirty="0"/>
           </a:p>
         </p:txBody>
       </p:sp>
@@ -9583,10 +9475,9 @@
           <a:p>
             <a:pPr algn="ctr"/>
             <a:r>
-              <a:rPr lang="ru-RU" sz="1200" dirty="0" smtClean="0"/>
+              <a:rPr lang="ru-RU" sz="1200" dirty="0"/>
               <a:t>Сотрудничество с Британией</a:t>
             </a:r>
-            <a:endParaRPr lang="ru-RU" sz="1200" dirty="0"/>
           </a:p>
         </p:txBody>
       </p:sp>
@@ -9635,10 +9526,9 @@
           <a:p>
             <a:pPr algn="ctr"/>
             <a:r>
-              <a:rPr lang="ru-RU" sz="1200" dirty="0" smtClean="0"/>
+              <a:rPr lang="ru-RU" sz="1200" dirty="0"/>
               <a:t>Вернуться к королю </a:t>
             </a:r>
-            <a:endParaRPr lang="ru-RU" sz="1200" dirty="0"/>
           </a:p>
         </p:txBody>
       </p:sp>
@@ -9723,10 +9613,9 @@
           <a:p>
             <a:pPr algn="ctr"/>
             <a:r>
-              <a:rPr lang="ru-RU" sz="1200" dirty="0" smtClean="0"/>
+              <a:rPr lang="ru-RU" sz="1200" dirty="0"/>
               <a:t>Покарать африканеров</a:t>
             </a:r>
-            <a:endParaRPr lang="ru-RU" sz="1200" dirty="0"/>
           </a:p>
         </p:txBody>
       </p:sp>
@@ -9884,10 +9773,9 @@
           <a:p>
             <a:pPr algn="ctr"/>
             <a:r>
-              <a:rPr lang="ru-RU" sz="1200" dirty="0" smtClean="0"/>
+              <a:rPr lang="ru-RU" sz="1200" dirty="0"/>
               <a:t>Капская гарнизонная артиллерия</a:t>
             </a:r>
-            <a:endParaRPr lang="ru-RU" sz="1200" dirty="0"/>
           </a:p>
         </p:txBody>
       </p:sp>
@@ -9972,10 +9860,9 @@
           <a:p>
             <a:pPr algn="ctr"/>
             <a:r>
-              <a:rPr lang="ru-RU" sz="1200" dirty="0" smtClean="0"/>
+              <a:rPr lang="ru-RU" sz="1200" dirty="0"/>
               <a:t>Капский корпус</a:t>
             </a:r>
-            <a:endParaRPr lang="ru-RU" sz="1200" dirty="0"/>
           </a:p>
         </p:txBody>
       </p:sp>
@@ -10060,10 +9947,9 @@
           <a:p>
             <a:pPr algn="ctr"/>
             <a:r>
-              <a:rPr lang="ru-RU" sz="1200" dirty="0" smtClean="0"/>
+              <a:rPr lang="ru-RU" sz="1200" dirty="0"/>
               <a:t>Совет по науке и промышленности</a:t>
             </a:r>
-            <a:endParaRPr lang="ru-RU" sz="1200" dirty="0"/>
           </a:p>
         </p:txBody>
       </p:sp>
@@ -10148,10 +10034,9 @@
           <a:p>
             <a:pPr algn="ctr"/>
             <a:r>
-              <a:rPr lang="ru-RU" sz="1200" dirty="0" smtClean="0"/>
+              <a:rPr lang="ru-RU" sz="1200" dirty="0"/>
               <a:t>Совместная программа лётной подготовки</a:t>
             </a:r>
-            <a:endParaRPr lang="ru-RU" sz="1200" dirty="0"/>
           </a:p>
         </p:txBody>
       </p:sp>
@@ -10236,11 +10121,11 @@
           <a:p>
             <a:pPr algn="ctr"/>
             <a:r>
-              <a:rPr lang="ru-RU" sz="1200" dirty="0" smtClean="0"/>
+              <a:rPr lang="ru-RU" sz="1200" dirty="0"/>
               <a:t>Подавить </a:t>
             </a:r>
             <a:r>
-              <a:rPr lang="ru-RU" sz="1200" dirty="0" err="1" smtClean="0"/>
+              <a:rPr lang="ru-RU" sz="1200" dirty="0" err="1"/>
               <a:t>Оссевабрандваг</a:t>
             </a:r>
             <a:endParaRPr lang="ru-RU" sz="1200" dirty="0"/>
@@ -10292,10 +10177,9 @@
           <a:p>
             <a:pPr algn="ctr"/>
             <a:r>
-              <a:rPr lang="ru-RU" sz="1200" dirty="0" smtClean="0"/>
+              <a:rPr lang="ru-RU" sz="1200" dirty="0"/>
               <a:t>Расширить южноафриканскую колонию</a:t>
             </a:r>
-            <a:endParaRPr lang="ru-RU" sz="1200" dirty="0"/>
           </a:p>
         </p:txBody>
       </p:sp>
@@ -10377,10 +10261,9 @@
           <a:p>
             <a:pPr algn="ctr"/>
             <a:r>
-              <a:rPr lang="ru-RU" sz="1200" dirty="0" smtClean="0"/>
+              <a:rPr lang="ru-RU" sz="1200" dirty="0"/>
               <a:t>Пригласить Южную Родезию</a:t>
             </a:r>
-            <a:endParaRPr lang="ru-RU" sz="1200" dirty="0"/>
           </a:p>
         </p:txBody>
       </p:sp>
@@ -10462,18 +10345,17 @@
           <a:p>
             <a:pPr algn="ctr"/>
             <a:r>
-              <a:rPr lang="ru-RU" sz="1200" dirty="0" smtClean="0"/>
+              <a:rPr lang="ru-RU" sz="1200" dirty="0"/>
               <a:t>Укрепление связей с Родезией (создание научной группы с </a:t>
             </a:r>
             <a:r>
-              <a:rPr lang="en-US" sz="1200" dirty="0" smtClean="0"/>
+              <a:rPr lang="en-US" sz="1200" dirty="0"/>
               <a:t>ZIM</a:t>
             </a:r>
             <a:r>
-              <a:rPr lang="ru-RU" sz="1200" dirty="0" smtClean="0"/>
+              <a:rPr lang="ru-RU" sz="1200" dirty="0"/>
               <a:t>)</a:t>
             </a:r>
-            <a:endParaRPr lang="ru-RU" sz="1200" dirty="0"/>
           </a:p>
         </p:txBody>
       </p:sp>
@@ -10555,38 +10437,33 @@
           <a:p>
             <a:pPr algn="ctr"/>
             <a:r>
-              <a:rPr lang="ru-RU" sz="1200" dirty="0" smtClean="0"/>
+              <a:rPr lang="ru-RU" sz="1200" dirty="0"/>
               <a:t>Принять поддержку от </a:t>
             </a:r>
             <a:r>
-              <a:rPr lang="ru-RU" sz="1200" dirty="0" err="1" smtClean="0"/>
+              <a:rPr lang="ru-RU" sz="1200" dirty="0" err="1"/>
               <a:t>Реддингсдаадбонд</a:t>
             </a:r>
             <a:r>
-              <a:rPr lang="ru-RU" sz="1200" dirty="0" smtClean="0"/>
+              <a:rPr lang="ru-RU" sz="1200" dirty="0"/>
               <a:t> (доступно с 1938 года, </a:t>
             </a:r>
             <a:r>
-              <a:rPr lang="en-US" sz="1200" dirty="0" smtClean="0"/>
+              <a:rPr lang="en-US" sz="1200" dirty="0"/>
               <a:t>+</a:t>
             </a:r>
             <a:r>
               <a:rPr lang="ru-RU" sz="1200" dirty="0"/>
-              <a:t> </a:t>
-            </a:r>
-            <a:r>
-              <a:rPr lang="ru-RU" sz="1200" dirty="0" smtClean="0"/>
-              <a:t>к скорости строительства, </a:t>
-            </a:r>
-            <a:r>
-              <a:rPr lang="en-US" sz="1200" dirty="0" smtClean="0"/>
+              <a:t> к скорости строительства, </a:t>
+            </a:r>
+            <a:r>
+              <a:rPr lang="en-US" sz="1200" dirty="0"/>
               <a:t>+ </a:t>
             </a:r>
             <a:r>
-              <a:rPr lang="ru-RU" sz="1200" dirty="0" smtClean="0"/>
+              <a:rPr lang="ru-RU" sz="1200" dirty="0"/>
               <a:t>к эффективности произв.)</a:t>
             </a:r>
-            <a:endParaRPr lang="ru-RU" sz="1200" dirty="0"/>
           </a:p>
         </p:txBody>
       </p:sp>
@@ -10673,10 +10550,9 @@
           <a:p>
             <a:pPr algn="ctr"/>
             <a:r>
-              <a:rPr lang="ru-RU" sz="1200" dirty="0" smtClean="0"/>
+              <a:rPr lang="ru-RU" sz="1200" dirty="0"/>
               <a:t>Пойти на поводу у националистов</a:t>
             </a:r>
-            <a:endParaRPr lang="ru-RU" sz="1200" dirty="0"/>
           </a:p>
         </p:txBody>
       </p:sp>
@@ -10803,10 +10679,9 @@
           <a:p>
             <a:pPr algn="ctr"/>
             <a:r>
-              <a:rPr lang="ru-RU" sz="1200" dirty="0" smtClean="0"/>
+              <a:rPr lang="ru-RU" sz="1200" dirty="0"/>
               <a:t>Купить Мозамбик</a:t>
             </a:r>
-            <a:endParaRPr lang="ru-RU" sz="1200" dirty="0"/>
           </a:p>
         </p:txBody>
       </p:sp>
@@ -10891,10 +10766,9 @@
           <a:p>
             <a:pPr algn="ctr"/>
             <a:r>
-              <a:rPr lang="ru-RU" sz="1200" dirty="0" smtClean="0"/>
+              <a:rPr lang="ru-RU" sz="1200" dirty="0"/>
               <a:t>Потребовать передать контроль над протекторатами</a:t>
             </a:r>
-            <a:endParaRPr lang="ru-RU" sz="1200" dirty="0"/>
           </a:p>
         </p:txBody>
       </p:sp>
@@ -10983,10 +10857,9 @@
           <a:p>
             <a:pPr algn="ctr"/>
             <a:r>
-              <a:rPr lang="ru-RU" sz="1200" dirty="0" smtClean="0"/>
+              <a:rPr lang="ru-RU" sz="1200" dirty="0"/>
               <a:t>Провозгласить чёрный национализм</a:t>
             </a:r>
-            <a:endParaRPr lang="ru-RU" sz="1200" dirty="0"/>
           </a:p>
         </p:txBody>
       </p:sp>
@@ -11111,14 +10984,13 @@
           <a:p>
             <a:pPr algn="ctr"/>
             <a:r>
-              <a:rPr lang="en-US" sz="1200" dirty="0" smtClean="0"/>
+              <a:rPr lang="en-US" sz="1200" dirty="0"/>
               <a:t>IV </a:t>
             </a:r>
             <a:r>
-              <a:rPr lang="ru-RU" sz="1200" dirty="0" smtClean="0"/>
+              <a:rPr lang="ru-RU" sz="1200" dirty="0"/>
               <a:t>Интернационал</a:t>
             </a:r>
-            <a:endParaRPr lang="ru-RU" sz="1200" dirty="0"/>
           </a:p>
         </p:txBody>
       </p:sp>
@@ -11169,10 +11041,9 @@
           <a:p>
             <a:pPr algn="ctr"/>
             <a:r>
-              <a:rPr lang="ru-RU" sz="1200" dirty="0" smtClean="0"/>
+              <a:rPr lang="ru-RU" sz="1200" dirty="0"/>
               <a:t>Движение неевропейского единства (будет создан одноимённый альянс)</a:t>
             </a:r>
-            <a:endParaRPr lang="ru-RU" sz="1200" dirty="0"/>
           </a:p>
         </p:txBody>
       </p:sp>
@@ -11333,26 +11204,25 @@
           <a:p>
             <a:pPr algn="ctr"/>
             <a:r>
-              <a:rPr lang="ru-RU" sz="1200" dirty="0" smtClean="0"/>
+              <a:rPr lang="ru-RU" sz="1200" dirty="0"/>
               <a:t>Военный коммунизм в африканских условиях (</a:t>
             </a:r>
             <a:r>
-              <a:rPr lang="en-US" sz="1200" dirty="0" smtClean="0"/>
+              <a:rPr lang="en-US" sz="1200" dirty="0"/>
               <a:t>+10% </a:t>
             </a:r>
             <a:r>
-              <a:rPr lang="ru-RU" sz="1200" dirty="0" smtClean="0"/>
+              <a:rPr lang="ru-RU" sz="1200" dirty="0"/>
               <a:t>поддержки войны, </a:t>
             </a:r>
             <a:r>
-              <a:rPr lang="en-US" sz="1200" dirty="0" smtClean="0"/>
+              <a:rPr lang="en-US" sz="1200" dirty="0"/>
               <a:t>+3 </a:t>
             </a:r>
             <a:r>
-              <a:rPr lang="ru-RU" sz="1200" dirty="0" smtClean="0"/>
+              <a:rPr lang="ru-RU" sz="1200" dirty="0"/>
               <a:t>военных завода)</a:t>
             </a:r>
-            <a:endParaRPr lang="ru-RU" sz="1200" dirty="0"/>
           </a:p>
         </p:txBody>
       </p:sp>
@@ -11437,10 +11307,9 @@
           <a:p>
             <a:pPr algn="ctr"/>
             <a:r>
-              <a:rPr lang="ru-RU" sz="1200" dirty="0" smtClean="0"/>
+              <a:rPr lang="ru-RU" sz="1200" dirty="0"/>
               <a:t>Политика родной земли</a:t>
             </a:r>
-            <a:endParaRPr lang="ru-RU" sz="1200" dirty="0"/>
           </a:p>
         </p:txBody>
       </p:sp>
@@ -11489,10 +11358,9 @@
           <a:p>
             <a:pPr algn="ctr"/>
             <a:r>
-              <a:rPr lang="ru-RU" sz="1200" dirty="0" smtClean="0"/>
+              <a:rPr lang="ru-RU" sz="1200" dirty="0"/>
               <a:t>Межрасовый союз</a:t>
             </a:r>
-            <a:endParaRPr lang="ru-RU" sz="1200" dirty="0"/>
           </a:p>
         </p:txBody>
       </p:sp>
@@ -11578,10 +11446,9 @@
           <a:p>
             <a:pPr algn="ctr"/>
             <a:r>
-              <a:rPr lang="ru-RU" sz="1200" dirty="0" smtClean="0"/>
+              <a:rPr lang="ru-RU" sz="1200" dirty="0"/>
               <a:t>Обитель для чёрных</a:t>
             </a:r>
-            <a:endParaRPr lang="ru-RU" sz="1200" dirty="0"/>
           </a:p>
         </p:txBody>
       </p:sp>
@@ -11632,11 +11499,11 @@
           <a:p>
             <a:pPr algn="ctr"/>
             <a:r>
-              <a:rPr lang="ru-RU" sz="1200" dirty="0" smtClean="0"/>
+              <a:rPr lang="ru-RU" sz="1200" dirty="0"/>
               <a:t>Чёрная республика </a:t>
             </a:r>
             <a:r>
-              <a:rPr lang="ru-RU" sz="1200" dirty="0" err="1" smtClean="0"/>
+              <a:rPr lang="ru-RU" sz="1200" dirty="0" err="1"/>
               <a:t>Азания</a:t>
             </a:r>
             <a:endParaRPr lang="ru-RU" sz="1200" dirty="0"/>
@@ -11726,18 +11593,17 @@
           <a:p>
             <a:pPr algn="ctr"/>
             <a:r>
-              <a:rPr lang="ru-RU" sz="1200" dirty="0" smtClean="0"/>
+              <a:rPr lang="ru-RU" sz="1200" dirty="0"/>
               <a:t>Колонизаторов на ножи! (повод войны «Аннексия» против </a:t>
             </a:r>
             <a:r>
-              <a:rPr lang="en-US" sz="1200" dirty="0" smtClean="0"/>
+              <a:rPr lang="en-US" sz="1200" dirty="0"/>
               <a:t>ENG, FRA, POR, BEL, SPR</a:t>
             </a:r>
             <a:r>
-              <a:rPr lang="ru-RU" sz="1200" dirty="0" smtClean="0"/>
+              <a:rPr lang="ru-RU" sz="1200" dirty="0"/>
               <a:t>)</a:t>
             </a:r>
-            <a:endParaRPr lang="ru-RU" sz="1200" dirty="0"/>
           </a:p>
         </p:txBody>
       </p:sp>
@@ -11824,30 +11690,29 @@
           <a:p>
             <a:pPr algn="ctr"/>
             <a:r>
-              <a:rPr lang="ru-RU" sz="1200" dirty="0" smtClean="0"/>
+              <a:rPr lang="ru-RU" sz="1200" dirty="0"/>
               <a:t>Единство угнетённых (</a:t>
             </a:r>
             <a:r>
-              <a:rPr lang="en-US" sz="1200" dirty="0" smtClean="0"/>
+              <a:rPr lang="en-US" sz="1200" dirty="0"/>
               <a:t>+5% </a:t>
             </a:r>
             <a:r>
-              <a:rPr lang="ru-RU" sz="1200" dirty="0" err="1" smtClean="0"/>
+              <a:rPr lang="ru-RU" sz="1200" dirty="0" err="1"/>
               <a:t>менпауэра</a:t>
             </a:r>
             <a:r>
-              <a:rPr lang="ru-RU" sz="1200" dirty="0" smtClean="0"/>
+              <a:rPr lang="ru-RU" sz="1200" dirty="0"/>
               <a:t>, </a:t>
             </a:r>
             <a:r>
-              <a:rPr lang="en-US" sz="1200" dirty="0" smtClean="0"/>
+              <a:rPr lang="en-US" sz="1200" dirty="0"/>
               <a:t>+2 </a:t>
             </a:r>
             <a:r>
-              <a:rPr lang="ru-RU" sz="1200" dirty="0" smtClean="0"/>
+              <a:rPr lang="ru-RU" sz="1200" dirty="0"/>
               <a:t>дивизии в столице)</a:t>
             </a:r>
-            <a:endParaRPr lang="ru-RU" sz="1200" dirty="0"/>
           </a:p>
         </p:txBody>
       </p:sp>
@@ -12008,18 +11873,17 @@
           <a:p>
             <a:pPr algn="ctr"/>
             <a:r>
-              <a:rPr lang="ru-RU" sz="1200" dirty="0" smtClean="0"/>
+              <a:rPr lang="ru-RU" sz="1200" dirty="0"/>
               <a:t>Спасти угнетённых арабов (корки на регионы </a:t>
             </a:r>
             <a:r>
-              <a:rPr lang="en-US" sz="1200" dirty="0" smtClean="0"/>
+              <a:rPr lang="en-US" sz="1200" dirty="0"/>
               <a:t>ALG, WES, MOR, TUN, EGY, SUD, IRQ, SYR, LEB, LBA, SAU, YEM, OMA, IOM</a:t>
             </a:r>
             <a:r>
-              <a:rPr lang="ru-RU" sz="1200" dirty="0" smtClean="0"/>
+              <a:rPr lang="ru-RU" sz="1200" dirty="0"/>
               <a:t>)</a:t>
             </a:r>
-            <a:endParaRPr lang="ru-RU" sz="1200" dirty="0"/>
           </a:p>
         </p:txBody>
       </p:sp>
@@ -12106,10 +11970,9 @@
           <a:p>
             <a:pPr algn="ctr"/>
             <a:r>
-              <a:rPr lang="ru-RU" sz="1200" dirty="0" smtClean="0"/>
+              <a:rPr lang="ru-RU" sz="1200" dirty="0"/>
               <a:t>Союз чёрных и индусов</a:t>
             </a:r>
-            <a:endParaRPr lang="ru-RU" sz="1200" dirty="0"/>
           </a:p>
         </p:txBody>
       </p:sp>
@@ -12191,10 +12054,9 @@
           <a:p>
             <a:pPr algn="ctr"/>
             <a:r>
-              <a:rPr lang="ru-RU" sz="1200" dirty="0" smtClean="0"/>
+              <a:rPr lang="ru-RU" sz="1200" dirty="0"/>
               <a:t>Интервенция в Конго</a:t>
             </a:r>
-            <a:endParaRPr lang="ru-RU" sz="1200" dirty="0"/>
           </a:p>
         </p:txBody>
       </p:sp>
@@ -12361,10 +12223,9 @@
           <a:p>
             <a:pPr algn="ctr"/>
             <a:r>
-              <a:rPr lang="ru-RU" sz="1200" dirty="0" smtClean="0"/>
+              <a:rPr lang="ru-RU" sz="1200" dirty="0"/>
               <a:t>Провести референдум в Южной Родезии</a:t>
             </a:r>
-            <a:endParaRPr lang="ru-RU" sz="1200" dirty="0"/>
           </a:p>
         </p:txBody>
       </p:sp>
@@ -12415,11 +12276,11 @@
           <a:p>
             <a:pPr algn="ctr"/>
             <a:r>
-              <a:rPr lang="ru-RU" sz="1200" dirty="0" smtClean="0"/>
+              <a:rPr lang="ru-RU" sz="1200" dirty="0"/>
               <a:t>Централизация </a:t>
             </a:r>
             <a:r>
-              <a:rPr lang="ru-RU" sz="1200" smtClean="0"/>
+              <a:rPr lang="ru-RU" sz="1200"/>
               <a:t>Южной Африки</a:t>
             </a:r>
             <a:endParaRPr lang="ru-RU" sz="1200" dirty="0"/>
@@ -12546,10 +12407,9 @@
           <a:p>
             <a:pPr algn="ctr"/>
             <a:r>
-              <a:rPr lang="ru-RU" sz="1200" dirty="0" smtClean="0"/>
+              <a:rPr lang="ru-RU" sz="1200" dirty="0"/>
               <a:t>Синдикалистская революция</a:t>
             </a:r>
-            <a:endParaRPr lang="ru-RU" sz="1200" dirty="0"/>
           </a:p>
         </p:txBody>
       </p:sp>
@@ -12601,58 +12461,57 @@
           <a:p>
             <a:pPr algn="ctr"/>
             <a:r>
-              <a:rPr lang="ru-RU" sz="1200" dirty="0" smtClean="0"/>
+              <a:rPr lang="ru-RU" sz="1200" dirty="0"/>
               <a:t>Легализация чёрных профсоюзов (</a:t>
             </a:r>
             <a:r>
-              <a:rPr lang="en-US" sz="1200" dirty="0" smtClean="0"/>
+              <a:rPr lang="en-US" sz="1200" dirty="0"/>
               <a:t>+ </a:t>
             </a:r>
             <a:r>
-              <a:rPr lang="ru-RU" sz="1200" dirty="0" smtClean="0"/>
+              <a:rPr lang="ru-RU" sz="1200" dirty="0"/>
               <a:t>к эффективности и объёму производства, </a:t>
             </a:r>
             <a:r>
-              <a:rPr lang="en-US" sz="1200" dirty="0" smtClean="0"/>
+              <a:rPr lang="en-US" sz="1200" dirty="0"/>
               <a:t>+</a:t>
             </a:r>
             <a:r>
-              <a:rPr lang="ru-RU" sz="1200" dirty="0" smtClean="0"/>
+              <a:rPr lang="ru-RU" sz="1200" dirty="0"/>
               <a:t>2</a:t>
             </a:r>
             <a:r>
-              <a:rPr lang="en-US" sz="1200" dirty="0" smtClean="0"/>
+              <a:rPr lang="en-US" sz="1200" dirty="0"/>
               <a:t>%</a:t>
             </a:r>
             <a:r>
-              <a:rPr lang="ru-RU" sz="1200" dirty="0" smtClean="0"/>
+              <a:rPr lang="ru-RU" sz="1200" dirty="0"/>
               <a:t> </a:t>
             </a:r>
             <a:r>
-              <a:rPr lang="ru-RU" sz="1200" dirty="0" err="1" smtClean="0"/>
+              <a:rPr lang="ru-RU" sz="1200" dirty="0" err="1"/>
               <a:t>менпауэра</a:t>
             </a:r>
             <a:r>
-              <a:rPr lang="ru-RU" sz="1200" dirty="0" smtClean="0"/>
+              <a:rPr lang="ru-RU" sz="1200" dirty="0"/>
               <a:t>, </a:t>
             </a:r>
             <a:r>
-              <a:rPr lang="en-US" sz="1200" dirty="0" smtClean="0"/>
+              <a:rPr lang="en-US" sz="1200" dirty="0"/>
               <a:t>+25% </a:t>
             </a:r>
             <a:r>
-              <a:rPr lang="ru-RU" sz="1200" dirty="0" smtClean="0"/>
+              <a:rPr lang="ru-RU" sz="1200" dirty="0"/>
               <a:t>к приросту </a:t>
             </a:r>
             <a:r>
-              <a:rPr lang="ru-RU" sz="1200" dirty="0" err="1" smtClean="0"/>
+              <a:rPr lang="ru-RU" sz="1200" dirty="0" err="1"/>
               <a:t>политвласти</a:t>
             </a:r>
             <a:r>
-              <a:rPr lang="ru-RU" sz="1200" dirty="0" smtClean="0"/>
+              <a:rPr lang="ru-RU" sz="1200" dirty="0"/>
               <a:t>)</a:t>
             </a:r>
-            <a:endParaRPr lang="ru-RU" sz="1200" dirty="0"/>
           </a:p>
         </p:txBody>
       </p:sp>
@@ -12742,10 +12601,9 @@
           <a:p>
             <a:pPr algn="ctr"/>
             <a:r>
-              <a:rPr lang="ru-RU" sz="1200" dirty="0" smtClean="0"/>
+              <a:rPr lang="ru-RU" sz="1200" dirty="0"/>
               <a:t>Избавиться от колониального государства</a:t>
             </a:r>
-            <a:endParaRPr lang="ru-RU" sz="1200" dirty="0"/>
           </a:p>
         </p:txBody>
       </p:sp>
@@ -12872,10 +12730,9 @@
           <a:p>
             <a:pPr algn="ctr"/>
             <a:r>
-              <a:rPr lang="ru-RU" sz="1200" dirty="0" smtClean="0"/>
+              <a:rPr lang="ru-RU" sz="1200" dirty="0"/>
               <a:t>Освободить Конго</a:t>
             </a:r>
-            <a:endParaRPr lang="ru-RU" sz="1200" dirty="0"/>
           </a:p>
         </p:txBody>
       </p:sp>
@@ -13003,10 +12860,9 @@
           <a:p>
             <a:pPr algn="ctr"/>
             <a:r>
-              <a:rPr lang="ru-RU" sz="1200" dirty="0" smtClean="0"/>
+              <a:rPr lang="ru-RU" sz="1200" dirty="0"/>
               <a:t>Сотрудничество с французами</a:t>
             </a:r>
-            <a:endParaRPr lang="ru-RU" sz="1200" dirty="0"/>
           </a:p>
         </p:txBody>
       </p:sp>
@@ -13094,19 +12950,19 @@
           <a:p>
             <a:pPr algn="ctr"/>
             <a:r>
-              <a:rPr lang="ru-RU" sz="1200" dirty="0" smtClean="0"/>
+              <a:rPr lang="ru-RU" sz="1200" dirty="0"/>
               <a:t>Ассоциация свободное Африки </a:t>
             </a:r>
             <a:r>
-              <a:rPr lang="en-US" sz="1200" dirty="0" smtClean="0"/>
+              <a:rPr lang="en-US" sz="1200" dirty="0"/>
               <a:t>(</a:t>
             </a:r>
             <a:r>
-              <a:rPr lang="ru-RU" sz="1200" dirty="0" smtClean="0"/>
+              <a:rPr lang="ru-RU" sz="1200" dirty="0"/>
               <a:t>будет создан одноимённый альянс</a:t>
             </a:r>
             <a:r>
-              <a:rPr lang="en-US" sz="1200" dirty="0" smtClean="0"/>
+              <a:rPr lang="en-US" sz="1200" dirty="0"/>
               <a:t>)</a:t>
             </a:r>
             <a:endParaRPr lang="ru-RU" sz="1200" dirty="0"/>
@@ -13199,10 +13055,9 @@
           <a:p>
             <a:pPr algn="ctr"/>
             <a:r>
-              <a:rPr lang="ru-RU" sz="1200" dirty="0" smtClean="0"/>
+              <a:rPr lang="ru-RU" sz="1200" dirty="0"/>
               <a:t>Активизировать синдикалистов Южной Родезии</a:t>
             </a:r>
-            <a:endParaRPr lang="ru-RU" sz="1200" dirty="0"/>
           </a:p>
         </p:txBody>
       </p:sp>
@@ -13292,10 +13147,9 @@
           <a:p>
             <a:pPr algn="ctr"/>
             <a:r>
-              <a:rPr lang="ru-RU" sz="1200" dirty="0" smtClean="0"/>
+              <a:rPr lang="ru-RU" sz="1200" dirty="0"/>
               <a:t>Радикальная борьба с колониализмом</a:t>
             </a:r>
-            <a:endParaRPr lang="ru-RU" sz="1200" dirty="0"/>
           </a:p>
         </p:txBody>
       </p:sp>
@@ -13421,10 +13275,9 @@
           <a:p>
             <a:pPr algn="ctr"/>
             <a:r>
-              <a:rPr lang="ru-RU" sz="1200" dirty="0" smtClean="0"/>
+              <a:rPr lang="ru-RU" sz="1200" dirty="0"/>
               <a:t>Освободить арабов</a:t>
             </a:r>
-            <a:endParaRPr lang="ru-RU" sz="1200" dirty="0"/>
           </a:p>
         </p:txBody>
       </p:sp>
@@ -13542,34 +13395,33 @@
           <a:p>
             <a:pPr algn="ctr"/>
             <a:r>
-              <a:rPr lang="ru-RU" sz="1200" dirty="0" smtClean="0"/>
+              <a:rPr lang="ru-RU" sz="1200" dirty="0"/>
               <a:t>Поднять грамотность до высочайшего уровня</a:t>
             </a:r>
             <a:r>
-              <a:rPr lang="en-US" sz="1200" dirty="0" smtClean="0"/>
+              <a:rPr lang="en-US" sz="1200" dirty="0"/>
               <a:t> </a:t>
             </a:r>
             <a:r>
-              <a:rPr lang="ru-RU" sz="1200" dirty="0" smtClean="0"/>
+              <a:rPr lang="ru-RU" sz="1200" dirty="0"/>
               <a:t>(</a:t>
             </a:r>
             <a:r>
-              <a:rPr lang="en-US" sz="1200" dirty="0" smtClean="0"/>
+              <a:rPr lang="en-US" sz="1200" dirty="0"/>
               <a:t>+</a:t>
             </a:r>
             <a:r>
-              <a:rPr lang="ru-RU" sz="1200" dirty="0" smtClean="0"/>
+              <a:rPr lang="ru-RU" sz="1200" dirty="0"/>
               <a:t>1 ячейка для исследований</a:t>
             </a:r>
             <a:r>
-              <a:rPr lang="en-US" sz="1200" dirty="0" smtClean="0"/>
+              <a:rPr lang="en-US" sz="1200" dirty="0"/>
               <a:t>; </a:t>
             </a:r>
             <a:r>
-              <a:rPr lang="ru-RU" sz="1200" dirty="0" smtClean="0"/>
+              <a:rPr lang="ru-RU" sz="1200" dirty="0"/>
               <a:t>требуется 75 фабрик)</a:t>
             </a:r>
-            <a:endParaRPr lang="ru-RU" sz="1200" dirty="0"/>
           </a:p>
         </p:txBody>
       </p:sp>
@@ -13768,10 +13620,9 @@
           <a:p>
             <a:pPr algn="ctr"/>
             <a:r>
-              <a:rPr lang="ru-RU" sz="1200" dirty="0" smtClean="0"/>
+              <a:rPr lang="ru-RU" sz="1200" dirty="0"/>
               <a:t>Поддержать Израиль</a:t>
             </a:r>
-            <a:endParaRPr lang="ru-RU" sz="1200" dirty="0"/>
           </a:p>
         </p:txBody>
       </p:sp>
@@ -13973,10 +13824,9 @@
           <a:p>
             <a:pPr algn="ctr"/>
             <a:r>
-              <a:rPr lang="ru-RU" sz="1200" dirty="0" smtClean="0"/>
+              <a:rPr lang="ru-RU" sz="1200" dirty="0"/>
               <a:t>Объединение Родезии</a:t>
             </a:r>
-            <a:endParaRPr lang="ru-RU" sz="1200" dirty="0"/>
           </a:p>
         </p:txBody>
       </p:sp>
@@ -14393,10 +14243,9 @@
           <a:p>
             <a:pPr algn="ctr"/>
             <a:r>
-              <a:rPr lang="ru-RU" sz="1200" dirty="0" smtClean="0"/>
+              <a:rPr lang="ru-RU" sz="1200" dirty="0"/>
               <a:t>Интервенция в Либерию</a:t>
             </a:r>
-            <a:endParaRPr lang="ru-RU" sz="1200" dirty="0"/>
           </a:p>
         </p:txBody>
       </p:sp>
@@ -14478,10 +14327,9 @@
           <a:p>
             <a:pPr algn="ctr"/>
             <a:r>
-              <a:rPr lang="ru-RU" sz="1200" dirty="0" smtClean="0"/>
+              <a:rPr lang="ru-RU" sz="1200" dirty="0"/>
               <a:t>Интервенция в Эфиопию</a:t>
             </a:r>
-            <a:endParaRPr lang="ru-RU" sz="1200" dirty="0"/>
           </a:p>
         </p:txBody>
       </p:sp>
@@ -14563,10 +14411,9 @@
           <a:p>
             <a:pPr algn="ctr"/>
             <a:r>
-              <a:rPr lang="ru-RU" sz="1200" dirty="0" smtClean="0"/>
+              <a:rPr lang="ru-RU" sz="1200" dirty="0"/>
               <a:t>Пригласить Анголу</a:t>
             </a:r>
-            <a:endParaRPr lang="ru-RU" sz="1200" dirty="0"/>
           </a:p>
         </p:txBody>
       </p:sp>
@@ -14650,10 +14497,9 @@
           <a:p>
             <a:pPr algn="ctr"/>
             <a:r>
-              <a:rPr lang="ru-RU" sz="1200" dirty="0" smtClean="0"/>
+              <a:rPr lang="ru-RU" sz="1200" dirty="0"/>
               <a:t>Пригласить Мозамбик</a:t>
             </a:r>
-            <a:endParaRPr lang="ru-RU" sz="1200" dirty="0"/>
           </a:p>
         </p:txBody>
       </p:sp>
@@ -14737,10 +14583,9 @@
           <a:p>
             <a:pPr algn="ctr"/>
             <a:r>
-              <a:rPr lang="ru-RU" sz="1200" dirty="0" smtClean="0"/>
+              <a:rPr lang="ru-RU" sz="1200" dirty="0"/>
               <a:t>Установить националистическое правительство в Южной Родезии</a:t>
             </a:r>
-            <a:endParaRPr lang="ru-RU" sz="1200" dirty="0"/>
           </a:p>
         </p:txBody>
       </p:sp>
@@ -14865,10 +14710,9 @@
           <a:p>
             <a:pPr algn="ctr"/>
             <a:r>
-              <a:rPr lang="ru-RU" sz="1200" dirty="0" smtClean="0"/>
+              <a:rPr lang="ru-RU" sz="1200" dirty="0"/>
               <a:t>Пригласить Либерию</a:t>
             </a:r>
-            <a:endParaRPr lang="ru-RU" sz="1200" dirty="0"/>
           </a:p>
         </p:txBody>
       </p:sp>
@@ -14957,26 +14801,25 @@
           <a:p>
             <a:pPr algn="ctr"/>
             <a:r>
-              <a:rPr lang="ru-RU" sz="1200" dirty="0" smtClean="0"/>
+              <a:rPr lang="ru-RU" sz="1200" dirty="0"/>
               <a:t>Сокращение научного отставания (</a:t>
             </a:r>
             <a:r>
-              <a:rPr lang="en-US" sz="1200" dirty="0" smtClean="0"/>
+              <a:rPr lang="en-US" sz="1200" dirty="0"/>
               <a:t>+</a:t>
             </a:r>
             <a:r>
-              <a:rPr lang="ru-RU" sz="1200" dirty="0" smtClean="0"/>
+              <a:rPr lang="ru-RU" sz="1200" dirty="0"/>
               <a:t>1 ячейка для исследований</a:t>
             </a:r>
             <a:r>
-              <a:rPr lang="en-US" sz="1200" dirty="0" smtClean="0"/>
+              <a:rPr lang="en-US" sz="1200" dirty="0"/>
               <a:t>; </a:t>
             </a:r>
             <a:r>
-              <a:rPr lang="ru-RU" sz="1200" dirty="0" smtClean="0"/>
+              <a:rPr lang="ru-RU" sz="1200" dirty="0"/>
               <a:t>необходимо состоять в альянсе с европейской великой державой)</a:t>
             </a:r>
-            <a:endParaRPr lang="ru-RU" sz="1200" dirty="0"/>
           </a:p>
         </p:txBody>
       </p:sp>
@@ -15135,10 +14978,9 @@
           <a:p>
             <a:pPr algn="ctr"/>
             <a:r>
-              <a:rPr lang="ru-RU" sz="1200" dirty="0" smtClean="0"/>
+              <a:rPr lang="ru-RU" sz="1200" dirty="0"/>
               <a:t>Освободить Анголу</a:t>
             </a:r>
-            <a:endParaRPr lang="ru-RU" sz="1200" dirty="0"/>
           </a:p>
         </p:txBody>
       </p:sp>
@@ -15227,10 +15069,9 @@
           <a:p>
             <a:pPr algn="ctr"/>
             <a:r>
-              <a:rPr lang="ru-RU" sz="1200" dirty="0" smtClean="0"/>
+              <a:rPr lang="ru-RU" sz="1200" dirty="0"/>
               <a:t>Освободить Мозамбик</a:t>
             </a:r>
-            <a:endParaRPr lang="ru-RU" sz="1200" dirty="0"/>
           </a:p>
         </p:txBody>
       </p:sp>
@@ -15317,15 +15158,15 @@
           <a:p>
             <a:pPr algn="ctr"/>
             <a:r>
-              <a:rPr lang="en-US" sz="1200" dirty="0" smtClean="0"/>
+              <a:rPr lang="en-US" sz="1200" dirty="0"/>
               <a:t>[</a:t>
             </a:r>
             <a:r>
-              <a:rPr lang="ru-RU" sz="1200" dirty="0" smtClean="0"/>
+              <a:rPr lang="ru-RU" sz="1200" dirty="0"/>
               <a:t>Ванильные военные фокусы</a:t>
             </a:r>
             <a:r>
-              <a:rPr lang="en-US" sz="1200" dirty="0" smtClean="0"/>
+              <a:rPr lang="en-US" sz="1200" dirty="0"/>
               <a:t>]</a:t>
             </a:r>
             <a:endParaRPr lang="ru-RU" sz="1200" dirty="0"/>
@@ -15377,26 +15218,25 @@
           <a:p>
             <a:pPr algn="ctr"/>
             <a:r>
-              <a:rPr lang="ru-RU" sz="1200" dirty="0" smtClean="0"/>
+              <a:rPr lang="ru-RU" sz="1200" dirty="0"/>
               <a:t>Программа обмена студентами (</a:t>
             </a:r>
             <a:r>
-              <a:rPr lang="en-US" sz="1200" dirty="0" smtClean="0"/>
+              <a:rPr lang="en-US" sz="1200" dirty="0"/>
               <a:t>+</a:t>
             </a:r>
             <a:r>
-              <a:rPr lang="ru-RU" sz="1200" dirty="0" smtClean="0"/>
+              <a:rPr lang="ru-RU" sz="1200" dirty="0"/>
               <a:t>1 ячейка для исследований</a:t>
             </a:r>
             <a:r>
-              <a:rPr lang="en-US" sz="1200" dirty="0" smtClean="0"/>
+              <a:rPr lang="en-US" sz="1200" dirty="0"/>
               <a:t>;</a:t>
             </a:r>
             <a:r>
-              <a:rPr lang="ru-RU" sz="1200" dirty="0" smtClean="0"/>
+              <a:rPr lang="ru-RU" sz="1200" dirty="0"/>
               <a:t> недоступно, если ячеек уже 4 или 5)</a:t>
             </a:r>
-            <a:endParaRPr lang="ru-RU" sz="1200" dirty="0"/>
           </a:p>
         </p:txBody>
       </p:sp>
@@ -15483,26 +15323,17 @@
           <a:p>
             <a:pPr algn="ctr"/>
             <a:r>
-              <a:rPr lang="ru-RU" sz="1200" dirty="0" smtClean="0"/>
-              <a:t>Пригласить Турцию </a:t>
-            </a:r>
-            <a:r>
-              <a:rPr lang="ru-RU" sz="1200" dirty="0"/>
-              <a:t>(доступно, если идеология </a:t>
-            </a:r>
-            <a:r>
-              <a:rPr lang="en-US" sz="1200" dirty="0" smtClean="0"/>
+              <a:rPr lang="ru-RU" sz="1200" dirty="0"/>
+              <a:t>Пригласить Турцию (доступно, если идеология </a:t>
+            </a:r>
+            <a:r>
+              <a:rPr lang="en-US" sz="1200" dirty="0"/>
               <a:t>TUR </a:t>
             </a:r>
             <a:r>
               <a:rPr lang="ru-RU" sz="1200" dirty="0"/>
-              <a:t>– не коммунизм, не фашизм</a:t>
-            </a:r>
-            <a:r>
-              <a:rPr lang="ru-RU" sz="1200" dirty="0" smtClean="0"/>
-              <a:t>)</a:t>
-            </a:r>
-            <a:endParaRPr lang="ru-RU" sz="1200" dirty="0"/>
+              <a:t>– не коммунизм, не фашизм)</a:t>
+            </a:r>
           </a:p>
         </p:txBody>
       </p:sp>
@@ -15595,20 +15426,12 @@
               <a:t>Пригласить Иран (доступно, если идеология </a:t>
             </a:r>
             <a:r>
-              <a:rPr lang="en-US" sz="1200" dirty="0" smtClean="0"/>
+              <a:rPr lang="en-US" sz="1200" dirty="0"/>
               <a:t>PER </a:t>
             </a:r>
             <a:r>
               <a:rPr lang="ru-RU" sz="1200" dirty="0"/>
-              <a:t>– не коммунизм, не </a:t>
-            </a:r>
-            <a:r>
-              <a:rPr lang="ru-RU" sz="1200" dirty="0" smtClean="0"/>
-              <a:t>фашизм</a:t>
-            </a:r>
-            <a:r>
-              <a:rPr lang="ru-RU" sz="1200" dirty="0"/>
-              <a:t>)</a:t>
+              <a:t>– не коммунизм, не фашизм)</a:t>
             </a:r>
           </a:p>
         </p:txBody>
@@ -15696,26 +15519,17 @@
           <a:p>
             <a:pPr algn="ctr"/>
             <a:r>
-              <a:rPr lang="ru-RU" sz="1200" dirty="0" smtClean="0"/>
-              <a:t>Пригласить Палестину </a:t>
-            </a:r>
-            <a:r>
-              <a:rPr lang="ru-RU" sz="1200" dirty="0"/>
-              <a:t>(доступно, если идеология </a:t>
-            </a:r>
-            <a:r>
-              <a:rPr lang="en-US" sz="1200" dirty="0" smtClean="0"/>
+              <a:rPr lang="ru-RU" sz="1200" dirty="0"/>
+              <a:t>Пригласить Палестину (доступно, если идеология </a:t>
+            </a:r>
+            <a:r>
+              <a:rPr lang="en-US" sz="1200" dirty="0"/>
               <a:t>BPL </a:t>
             </a:r>
             <a:r>
               <a:rPr lang="ru-RU" sz="1200" dirty="0"/>
-              <a:t>– не коммунизм, не фашизм</a:t>
-            </a:r>
-            <a:r>
-              <a:rPr lang="ru-RU" sz="1200" dirty="0" smtClean="0"/>
-              <a:t>) </a:t>
-            </a:r>
-            <a:endParaRPr lang="ru-RU" sz="1200" dirty="0"/>
+              <a:t>– не коммунизм, не фашизм) </a:t>
+            </a:r>
           </a:p>
         </p:txBody>
       </p:sp>
@@ -15802,18 +15616,17 @@
           <a:p>
             <a:pPr algn="ctr"/>
             <a:r>
-              <a:rPr lang="ru-RU" sz="1200" dirty="0" smtClean="0"/>
+              <a:rPr lang="ru-RU" sz="1200" dirty="0"/>
               <a:t>Пригласить Южную Родезию (доступно, если идеология </a:t>
             </a:r>
             <a:r>
-              <a:rPr lang="en-US" sz="1200" dirty="0" smtClean="0"/>
+              <a:rPr lang="en-US" sz="1200" dirty="0"/>
               <a:t>ZIM </a:t>
             </a:r>
             <a:r>
-              <a:rPr lang="ru-RU" sz="1200" dirty="0" smtClean="0"/>
+              <a:rPr lang="ru-RU" sz="1200" dirty="0"/>
               <a:t>– не коммунизм, не фашизм)</a:t>
             </a:r>
-            <a:endParaRPr lang="ru-RU" sz="1200" dirty="0"/>
           </a:p>
         </p:txBody>
       </p:sp>
@@ -15895,18 +15708,17 @@
           <a:p>
             <a:pPr algn="ctr"/>
             <a:r>
-              <a:rPr lang="ru-RU" sz="1200" dirty="0" smtClean="0"/>
+              <a:rPr lang="ru-RU" sz="1200" dirty="0"/>
               <a:t>Изучение ракетных технологий (</a:t>
             </a:r>
             <a:r>
-              <a:rPr lang="en-US" sz="1200" dirty="0" smtClean="0"/>
+              <a:rPr lang="en-US" sz="1200" dirty="0"/>
               <a:t>+ </a:t>
             </a:r>
             <a:r>
-              <a:rPr lang="ru-RU" sz="1200" dirty="0" smtClean="0"/>
+              <a:rPr lang="ru-RU" sz="1200" dirty="0"/>
               <a:t>к изучению ракет)</a:t>
             </a:r>
-            <a:endParaRPr lang="ru-RU" sz="1200" dirty="0"/>
           </a:p>
         </p:txBody>
       </p:sp>
@@ -16136,30 +15948,29 @@
           <a:p>
             <a:pPr algn="ctr"/>
             <a:r>
-              <a:rPr lang="ru-RU" sz="1200" dirty="0" smtClean="0"/>
+              <a:rPr lang="ru-RU" sz="1200" dirty="0"/>
               <a:t>Нейтральная внешняя политика (будет получен одноимённый </a:t>
             </a:r>
             <a:r>
-              <a:rPr lang="ru-RU" sz="1200" dirty="0" err="1" smtClean="0"/>
+              <a:rPr lang="ru-RU" sz="1200" dirty="0" err="1"/>
               <a:t>нацдух</a:t>
             </a:r>
             <a:r>
-              <a:rPr lang="en-US" sz="1200" dirty="0" smtClean="0"/>
+              <a:rPr lang="en-US" sz="1200" dirty="0"/>
               <a:t>; </a:t>
             </a:r>
             <a:r>
-              <a:rPr lang="ru-RU" sz="1200" dirty="0" smtClean="0"/>
+              <a:rPr lang="ru-RU" sz="1200" dirty="0"/>
               <a:t>недоступен, если </a:t>
             </a:r>
             <a:r>
-              <a:rPr lang="en-US" sz="1200" dirty="0" smtClean="0"/>
+              <a:rPr lang="en-US" sz="1200" dirty="0"/>
               <a:t>SAF</a:t>
             </a:r>
             <a:r>
-              <a:rPr lang="ru-RU" sz="1200" dirty="0" smtClean="0"/>
+              <a:rPr lang="ru-RU" sz="1200" dirty="0"/>
               <a:t> в состоянии войны)</a:t>
             </a:r>
-            <a:endParaRPr lang="ru-RU" sz="1200" dirty="0"/>
           </a:p>
         </p:txBody>
       </p:sp>
@@ -16279,46 +16090,41 @@
           <a:p>
             <a:pPr algn="ctr"/>
             <a:r>
-              <a:rPr lang="ru-RU" sz="1200" dirty="0" smtClean="0"/>
+              <a:rPr lang="ru-RU" sz="1200" dirty="0"/>
               <a:t>Подготовиться к обороне (</a:t>
             </a:r>
             <a:r>
-              <a:rPr lang="en-US" sz="1200" dirty="0" smtClean="0"/>
+              <a:rPr lang="en-US" sz="1200" dirty="0"/>
               <a:t>+</a:t>
             </a:r>
             <a:r>
               <a:rPr lang="ru-RU" sz="1200" dirty="0"/>
-              <a:t> </a:t>
-            </a:r>
-            <a:r>
-              <a:rPr lang="ru-RU" sz="1200" dirty="0" smtClean="0"/>
-              <a:t>к скорости строительства военных заводов, </a:t>
-            </a:r>
-            <a:r>
-              <a:rPr lang="en-US" sz="1200" dirty="0" smtClean="0"/>
+              <a:t> к скорости строительства военных заводов, </a:t>
+            </a:r>
+            <a:r>
+              <a:rPr lang="en-US" sz="1200" dirty="0"/>
               <a:t>+ </a:t>
             </a:r>
             <a:r>
-              <a:rPr lang="ru-RU" sz="1200" dirty="0" smtClean="0"/>
+              <a:rPr lang="ru-RU" sz="1200" dirty="0"/>
               <a:t>к скорости конвертации фабрики в завод, </a:t>
             </a:r>
             <a:r>
-              <a:rPr lang="en-US" sz="1200" dirty="0" smtClean="0"/>
+              <a:rPr lang="en-US" sz="1200" dirty="0"/>
               <a:t>+</a:t>
             </a:r>
             <a:r>
-              <a:rPr lang="ru-RU" sz="1200" dirty="0" smtClean="0"/>
+              <a:rPr lang="ru-RU" sz="1200" dirty="0"/>
               <a:t>2 </a:t>
             </a:r>
             <a:r>
-              <a:rPr lang="ru-RU" sz="1200" dirty="0" err="1" smtClean="0"/>
+              <a:rPr lang="ru-RU" sz="1200" dirty="0" err="1"/>
               <a:t>воензавода</a:t>
             </a:r>
             <a:r>
-              <a:rPr lang="ru-RU" sz="1200" dirty="0" smtClean="0"/>
+              <a:rPr lang="ru-RU" sz="1200" dirty="0"/>
               <a:t>)</a:t>
             </a:r>
-            <a:endParaRPr lang="ru-RU" sz="1200" dirty="0"/>
           </a:p>
         </p:txBody>
       </p:sp>
@@ -16405,10 +16211,9 @@
           <a:p>
             <a:pPr algn="ctr"/>
             <a:r>
-              <a:rPr lang="ru-RU" sz="1200" dirty="0" smtClean="0"/>
+              <a:rPr lang="ru-RU" sz="1200" dirty="0"/>
               <a:t>Нацистская диктатура</a:t>
             </a:r>
-            <a:endParaRPr lang="ru-RU" sz="1200" dirty="0"/>
           </a:p>
         </p:txBody>
       </p:sp>
@@ -16459,11 +16264,11 @@
           <a:p>
             <a:pPr algn="ctr"/>
             <a:r>
-              <a:rPr lang="ru-RU" sz="1200" dirty="0" smtClean="0"/>
+              <a:rPr lang="ru-RU" sz="1200" dirty="0"/>
               <a:t>Вооружённые отряды </a:t>
             </a:r>
             <a:r>
-              <a:rPr lang="ru-RU" sz="1200" dirty="0" err="1" smtClean="0"/>
+              <a:rPr lang="ru-RU" sz="1200" dirty="0" err="1"/>
               <a:t>серорубашечников</a:t>
             </a:r>
             <a:endParaRPr lang="ru-RU" sz="1200" dirty="0"/>
@@ -16552,10 +16357,9 @@
           <a:p>
             <a:pPr algn="ctr"/>
             <a:r>
-              <a:rPr lang="ru-RU" sz="1200" dirty="0" smtClean="0"/>
+              <a:rPr lang="ru-RU" sz="1200" dirty="0"/>
               <a:t>Объявить о независимости от Британии</a:t>
             </a:r>
-            <a:endParaRPr lang="ru-RU" sz="1200" dirty="0"/>
           </a:p>
         </p:txBody>
       </p:sp>
@@ -16643,13 +16447,8 @@
             <a:pPr algn="ctr"/>
             <a:r>
               <a:rPr lang="ru-RU" sz="1200" dirty="0"/>
-              <a:t>Вступить в </a:t>
-            </a:r>
-            <a:r>
-              <a:rPr lang="ru-RU" sz="1200" dirty="0" smtClean="0"/>
-              <a:t>Ось (событие на желание вступить в альянс Германии)</a:t>
-            </a:r>
-            <a:endParaRPr lang="ru-RU" sz="1200" dirty="0"/>
+              <a:t>Вступить в Ось (событие на желание вступить в альянс Германии)</a:t>
+            </a:r>
           </a:p>
         </p:txBody>
       </p:sp>
@@ -16737,13 +16536,8 @@
             <a:pPr algn="ctr"/>
             <a:r>
               <a:rPr lang="ru-RU" sz="1200" dirty="0"/>
-              <a:t>Союз белой </a:t>
-            </a:r>
-            <a:r>
-              <a:rPr lang="ru-RU" sz="1200" dirty="0" smtClean="0"/>
-              <a:t>Африки (будет создан одноимённый альянс)</a:t>
-            </a:r>
-            <a:endParaRPr lang="ru-RU" sz="1200" dirty="0"/>
+              <a:t>Союз белой Африки (будет создан одноимённый альянс)</a:t>
+            </a:r>
           </a:p>
         </p:txBody>
       </p:sp>
@@ -16868,14 +16662,13 @@
           <a:p>
             <a:pPr algn="ctr"/>
             <a:r>
-              <a:rPr lang="ru-RU" sz="1200" dirty="0" err="1" smtClean="0"/>
+              <a:rPr lang="ru-RU" sz="1200" dirty="0" err="1"/>
               <a:t>Преторийские</a:t>
             </a:r>
             <a:r>
-              <a:rPr lang="ru-RU" sz="1200" dirty="0" smtClean="0"/>
+              <a:rPr lang="ru-RU" sz="1200" dirty="0"/>
               <a:t> законы</a:t>
             </a:r>
-            <a:endParaRPr lang="ru-RU" sz="1200" dirty="0"/>
           </a:p>
         </p:txBody>
       </p:sp>
@@ -16965,13 +16758,8 @@
             <a:pPr algn="ctr"/>
             <a:r>
               <a:rPr lang="ru-RU" sz="1200" dirty="0"/>
-              <a:t>Совместные </a:t>
-            </a:r>
-            <a:r>
-              <a:rPr lang="ru-RU" sz="1200" dirty="0" smtClean="0"/>
-              <a:t>разработки (будет создана научная группа с Германией)</a:t>
-            </a:r>
-            <a:endParaRPr lang="ru-RU" sz="1200" dirty="0"/>
+              <a:t>Совместные разработки (будет создана научная группа с Германией)</a:t>
+            </a:r>
           </a:p>
         </p:txBody>
       </p:sp>
@@ -17058,10 +16846,9 @@
           <a:p>
             <a:pPr algn="ctr"/>
             <a:r>
-              <a:rPr lang="ru-RU" sz="1200" dirty="0" smtClean="0"/>
+              <a:rPr lang="ru-RU" sz="1200" dirty="0"/>
               <a:t>Внедриться в Южную Родезию</a:t>
             </a:r>
-            <a:endParaRPr lang="ru-RU" sz="1200" dirty="0"/>
           </a:p>
         </p:txBody>
       </p:sp>
@@ -17230,13 +17017,6 @@
   <p:clrMapOvr>
     <a:masterClrMapping/>
   </p:clrMapOvr>
-  <p:timing>
-    <p:tnLst>
-      <p:par>
-        <p:cTn id="1" dur="indefinite" restart="never" nodeType="tmRoot"/>
-      </p:par>
-    </p:tnLst>
-  </p:timing>
 </p:sld>
 </file>
 
